--- a/docs/otros/Guia Docente.pptx
+++ b/docs/otros/Guia Docente.pptx
@@ -137,7 +137,7 @@
 <file path=ppt/revisionInfo.xml><?xml version="1.0" encoding="utf-8"?>
 <p1510:revInfo xmlns:a="http://schemas.openxmlformats.org/drawingml/2006/main" xmlns:r="http://schemas.openxmlformats.org/officeDocument/2006/relationships" xmlns:p1510="http://schemas.microsoft.com/office/powerpoint/2015/10/main">
   <p1510:revLst>
-    <p1510:client id="{3FD108FA-C0B7-3842-BE3C-AD9481C949EE}" v="8" dt="2020-12-14T09:23:09.541"/>
+    <p1510:client id="{6FCBAC8D-E72C-5F4F-A285-CEA83E05685C}" v="1" dt="2021-01-08T09:34:48.707"/>
   </p1510:revLst>
 </p1510:revInfo>
 </file>
@@ -1173,6 +1173,60 @@
           <ac:spMkLst>
             <pc:docMk/>
             <pc:sldMk cId="1780462472" sldId="282"/>
+            <ac:spMk id="3" creationId="{00000000-0000-0000-0000-000000000000}"/>
+          </ac:spMkLst>
+        </pc:spChg>
+      </pc:sldChg>
+    </pc:docChg>
+  </pc:docChgLst>
+  <pc:docChgLst>
+    <pc:chgData name="Ivan Arribas Fernandez" userId="be159d82-138e-450b-ac0a-32a8f3edab35" providerId="ADAL" clId="{6FCBAC8D-E72C-5F4F-A285-CEA83E05685C}"/>
+    <pc:docChg chg="custSel modSld">
+      <pc:chgData name="Ivan Arribas Fernandez" userId="be159d82-138e-450b-ac0a-32a8f3edab35" providerId="ADAL" clId="{6FCBAC8D-E72C-5F4F-A285-CEA83E05685C}" dt="2021-01-08T09:35:41.806" v="83" actId="5793"/>
+      <pc:docMkLst>
+        <pc:docMk/>
+      </pc:docMkLst>
+      <pc:sldChg chg="modSp mod">
+        <pc:chgData name="Ivan Arribas Fernandez" userId="be159d82-138e-450b-ac0a-32a8f3edab35" providerId="ADAL" clId="{6FCBAC8D-E72C-5F4F-A285-CEA83E05685C}" dt="2021-01-08T09:33:18.073" v="8" actId="20577"/>
+        <pc:sldMkLst>
+          <pc:docMk/>
+          <pc:sldMk cId="2020806516" sldId="276"/>
+        </pc:sldMkLst>
+        <pc:spChg chg="mod">
+          <ac:chgData name="Ivan Arribas Fernandez" userId="be159d82-138e-450b-ac0a-32a8f3edab35" providerId="ADAL" clId="{6FCBAC8D-E72C-5F4F-A285-CEA83E05685C}" dt="2021-01-08T09:33:18.073" v="8" actId="20577"/>
+          <ac:spMkLst>
+            <pc:docMk/>
+            <pc:sldMk cId="2020806516" sldId="276"/>
+            <ac:spMk id="3" creationId="{00000000-0000-0000-0000-000000000000}"/>
+          </ac:spMkLst>
+        </pc:spChg>
+      </pc:sldChg>
+      <pc:sldChg chg="modSp mod">
+        <pc:chgData name="Ivan Arribas Fernandez" userId="be159d82-138e-450b-ac0a-32a8f3edab35" providerId="ADAL" clId="{6FCBAC8D-E72C-5F4F-A285-CEA83E05685C}" dt="2021-01-08T09:35:41.806" v="83" actId="5793"/>
+        <pc:sldMkLst>
+          <pc:docMk/>
+          <pc:sldMk cId="186384705" sldId="280"/>
+        </pc:sldMkLst>
+        <pc:spChg chg="mod">
+          <ac:chgData name="Ivan Arribas Fernandez" userId="be159d82-138e-450b-ac0a-32a8f3edab35" providerId="ADAL" clId="{6FCBAC8D-E72C-5F4F-A285-CEA83E05685C}" dt="2021-01-08T09:35:41.806" v="83" actId="5793"/>
+          <ac:spMkLst>
+            <pc:docMk/>
+            <pc:sldMk cId="186384705" sldId="280"/>
+            <ac:spMk id="3" creationId="{00000000-0000-0000-0000-000000000000}"/>
+          </ac:spMkLst>
+        </pc:spChg>
+      </pc:sldChg>
+      <pc:sldChg chg="modSp mod">
+        <pc:chgData name="Ivan Arribas Fernandez" userId="be159d82-138e-450b-ac0a-32a8f3edab35" providerId="ADAL" clId="{6FCBAC8D-E72C-5F4F-A285-CEA83E05685C}" dt="2021-01-08T09:33:43.732" v="11" actId="20577"/>
+        <pc:sldMkLst>
+          <pc:docMk/>
+          <pc:sldMk cId="3178911644" sldId="283"/>
+        </pc:sldMkLst>
+        <pc:spChg chg="mod">
+          <ac:chgData name="Ivan Arribas Fernandez" userId="be159d82-138e-450b-ac0a-32a8f3edab35" providerId="ADAL" clId="{6FCBAC8D-E72C-5F4F-A285-CEA83E05685C}" dt="2021-01-08T09:33:43.732" v="11" actId="20577"/>
+          <ac:spMkLst>
+            <pc:docMk/>
+            <pc:sldMk cId="3178911644" sldId="283"/>
             <ac:spMk id="3" creationId="{00000000-0000-0000-0000-000000000000}"/>
           </ac:spMkLst>
         </pc:spChg>
@@ -1264,7 +1318,7 @@
           <a:p>
             <a:fld id="{0514509D-DBC2-4581-947B-3A5CED726F29}" type="datetimeFigureOut">
               <a:rPr lang="es-ES" smtClean="0"/>
-              <a:t>14/12/20</a:t>
+              <a:t>8/1/21</a:t>
             </a:fld>
             <a:endParaRPr lang="es-ES"/>
           </a:p>
@@ -1808,7 +1862,7 @@
           <a:p>
             <a:fld id="{800D4C4D-9136-497F-83D9-49D52CCCD8BE}" type="datetime1">
               <a:rPr lang="es-ES" smtClean="0"/>
-              <a:t>14/12/20</a:t>
+              <a:t>8/1/21</a:t>
             </a:fld>
             <a:endParaRPr lang="es-ES"/>
           </a:p>
@@ -2018,7 +2072,7 @@
           <a:p>
             <a:fld id="{4B1544AB-5837-4982-94D4-FAA3CA29AF65}" type="datetime1">
               <a:rPr lang="es-ES" smtClean="0"/>
-              <a:t>14/12/20</a:t>
+              <a:t>8/1/21</a:t>
             </a:fld>
             <a:endParaRPr lang="es-ES"/>
           </a:p>
@@ -2193,7 +2247,7 @@
           <a:p>
             <a:fld id="{E8E54D38-30D9-4BF4-82D5-13F0E57A0F85}" type="datetime1">
               <a:rPr lang="es-ES" smtClean="0"/>
-              <a:t>14/12/20</a:t>
+              <a:t>8/1/21</a:t>
             </a:fld>
             <a:endParaRPr lang="es-ES"/>
           </a:p>
@@ -2414,7 +2468,7 @@
           <a:p>
             <a:fld id="{E4B9A560-E10B-4350-8FE8-946FC5714FA3}" type="datetime1">
               <a:rPr lang="es-ES" smtClean="0"/>
-              <a:t>14/12/20</a:t>
+              <a:t>8/1/21</a:t>
             </a:fld>
             <a:endParaRPr lang="es-ES"/>
           </a:p>
@@ -2661,7 +2715,7 @@
           <a:p>
             <a:fld id="{C9F2CDFB-1DD6-4289-B312-9FE549A0F732}" type="datetime1">
               <a:rPr lang="es-ES" smtClean="0"/>
-              <a:t>14/12/20</a:t>
+              <a:t>8/1/21</a:t>
             </a:fld>
             <a:endParaRPr lang="es-ES"/>
           </a:p>
@@ -2778,7 +2832,7 @@
           <a:p>
             <a:fld id="{777A1539-4B1E-4634-B8E0-5A5A4AB45A77}" type="datetime1">
               <a:rPr lang="es-ES" smtClean="0"/>
-              <a:t>14/12/20</a:t>
+              <a:t>8/1/21</a:t>
             </a:fld>
             <a:endParaRPr lang="es-ES"/>
           </a:p>
@@ -3143,7 +3197,7 @@
           <a:p>
             <a:fld id="{991B0F75-ADB3-481A-A2DE-3BBDE6C5347F}" type="datetime1">
               <a:rPr lang="es-ES" smtClean="0"/>
-              <a:t>14/12/20</a:t>
+              <a:t>8/1/21</a:t>
             </a:fld>
             <a:endParaRPr lang="es-ES"/>
           </a:p>
@@ -3374,7 +3428,7 @@
           <a:p>
             <a:fld id="{F4F06CED-6D03-4D1C-B18B-031F6B886FBF}" type="datetime1">
               <a:rPr lang="es-ES" smtClean="0"/>
-              <a:t>14/12/20</a:t>
+              <a:t>8/1/21</a:t>
             </a:fld>
             <a:endParaRPr lang="es-ES"/>
           </a:p>
@@ -3464,7 +3518,7 @@
           <a:p>
             <a:fld id="{ADDAD082-E6B9-4F72-8B26-FBEE32FDF76F}" type="datetime1">
               <a:rPr lang="es-ES" smtClean="0"/>
-              <a:t>14/12/20</a:t>
+              <a:t>8/1/21</a:t>
             </a:fld>
             <a:endParaRPr lang="es-ES"/>
           </a:p>
@@ -3723,7 +3777,7 @@
           <a:p>
             <a:fld id="{40ECAE2E-5227-429B-AD7D-B77994026986}" type="datetime1">
               <a:rPr lang="es-ES" smtClean="0"/>
-              <a:t>14/12/20</a:t>
+              <a:t>8/1/21</a:t>
             </a:fld>
             <a:endParaRPr lang="es-ES"/>
           </a:p>
@@ -3987,7 +4041,7 @@
           <a:p>
             <a:fld id="{C5160EC2-DA78-4304-A9C1-062C73098644}" type="datetime1">
               <a:rPr lang="es-ES" smtClean="0"/>
-              <a:t>14/12/20</a:t>
+              <a:t>8/1/21</a:t>
             </a:fld>
             <a:endParaRPr lang="es-ES"/>
           </a:p>
@@ -4521,7 +4575,7 @@
           <a:p>
             <a:fld id="{D5B34832-638B-4DAC-9E1F-E80827107D42}" type="datetime1">
               <a:rPr lang="es-ES" smtClean="0"/>
-              <a:t>14/12/20</a:t>
+              <a:t>8/1/21</a:t>
             </a:fld>
             <a:endParaRPr lang="es-ES"/>
           </a:p>
@@ -6626,7 +6680,7 @@
             <a:pPr marL="315913"/>
             <a:r>
               <a:rPr lang="es-ES" b="1" dirty="0"/>
-              <a:t>3. Métodos ingenuos de predicción. Evaluación de predicciones</a:t>
+              <a:t>3. Métodos sencillos de predicción. Evaluación de predicciones</a:t>
             </a:r>
           </a:p>
           <a:p>
@@ -7631,19 +7685,11 @@
             </a:r>
             <a:r>
               <a:rPr lang="es-ES_tradnl" sz="1600" dirty="0" err="1"/>
-              <a:t>Rstudio</a:t>
+              <a:t>RStudio</a:t>
             </a:r>
             <a:r>
               <a:rPr lang="es-ES_tradnl" sz="1600" dirty="0"/>
-              <a:t> </a:t>
-            </a:r>
-            <a:r>
-              <a:rPr lang="es-ES_tradnl" sz="1600" dirty="0" err="1"/>
-              <a:t>Descktop</a:t>
-            </a:r>
-            <a:r>
-              <a:rPr lang="es-ES_tradnl" sz="1600" dirty="0"/>
-              <a:t> “Free”</a:t>
+              <a:t> Desktop “Free”</a:t>
             </a:r>
           </a:p>
         </p:txBody>
@@ -7755,7 +7801,7 @@
         <p:spPr>
           <a:xfrm>
             <a:off x="899592" y="1147965"/>
-            <a:ext cx="7848872" cy="5016758"/>
+            <a:ext cx="7848872" cy="4093428"/>
           </a:xfrm>
           <a:prstGeom prst="rect">
             <a:avLst/>
@@ -7783,7 +7829,7 @@
             </a:pPr>
             <a:r>
               <a:rPr lang="es-ES" sz="2000" dirty="0"/>
-              <a:t>Tras cada una de las unidades temáticas se realizará en horario de clase una breve </a:t>
+              <a:t>Tras cada una de las unidades temáticas se realizará una </a:t>
             </a:r>
             <a:r>
               <a:rPr lang="es-ES" sz="2000" b="1" dirty="0"/>
@@ -7791,23 +7837,7 @@
             </a:r>
             <a:r>
               <a:rPr lang="es-ES" sz="2000" dirty="0"/>
-              <a:t>. La prueba contendrá preguntas de respuesta múltiple, numérica, verdadero/falso, etc. Este conjunto de pruebas supondrá un </a:t>
-            </a:r>
-            <a:r>
-              <a:rPr lang="es-ES" sz="2000" b="1" dirty="0"/>
-              <a:t>15% de la nota de la asignatura</a:t>
-            </a:r>
-            <a:r>
-              <a:rPr lang="es-ES" sz="2000" dirty="0"/>
-              <a:t>. Esta parte de la evaluación continua </a:t>
-            </a:r>
-            <a:r>
-              <a:rPr lang="es-ES" sz="2000" b="1" dirty="0"/>
-              <a:t>no es recuperable</a:t>
-            </a:r>
-            <a:r>
-              <a:rPr lang="es-ES" sz="2000" dirty="0"/>
-              <a:t>.</a:t>
+              <a:t>. La prueba contendrá preguntas de respuesta múltiple, numérica, verdadero/falso, etc.</a:t>
             </a:r>
           </a:p>
           <a:p>
@@ -7817,32 +7847,21 @@
             </a:pPr>
             <a:r>
               <a:rPr lang="es-ES" sz="2000" dirty="0"/>
-              <a:t>Además, tras cada unidad temática, se realizará una </a:t>
+              <a:t>La evaluación continua </a:t>
             </a:r>
             <a:r>
               <a:rPr lang="es-ES" sz="2000" b="1" dirty="0"/>
-              <a:t>práctica de evaluación </a:t>
-            </a:r>
-            <a:r>
-              <a:rPr lang="es-ES" sz="2000" dirty="0"/>
-              <a:t>que se deberá entregar en el plazo establecido. La valoración de estos trabajos supondrá un </a:t>
+              <a:t>es recuperable de cara a la </a:t>
+            </a:r>
+            <a:r>
+              <a:rPr lang="es-ES" sz="2000" b="1"/>
+              <a:t>segunda convocatoria</a:t>
             </a:r>
             <a:r>
               <a:rPr lang="es-ES" sz="2000" b="1" dirty="0"/>
-              <a:t>45% de la nota de la asignatura</a:t>
-            </a:r>
-            <a:r>
-              <a:rPr lang="es-ES" sz="2000" dirty="0"/>
-              <a:t>. Esta parte de la evaluación continua </a:t>
-            </a:r>
-            <a:r>
-              <a:rPr lang="es-ES" sz="2000" b="1" dirty="0"/>
-              <a:t>es recuperable</a:t>
-            </a:r>
-            <a:r>
-              <a:rPr lang="es-ES" sz="2000" dirty="0"/>
               <a:t>.</a:t>
             </a:r>
+            <a:endParaRPr lang="es-ES" sz="2000" dirty="0"/>
           </a:p>
           <a:p>
             <a:endParaRPr lang="es-ES" sz="2000" dirty="0"/>
@@ -7854,19 +7873,32 @@
             </a:r>
             <a:r>
               <a:rPr lang="es-ES" sz="2000" b="1" dirty="0"/>
-              <a:t>examen que supondrá el restante 40%</a:t>
+              <a:t>examen escrito que supondrá el restante 40%</a:t>
             </a:r>
             <a:r>
               <a:rPr lang="es-ES" sz="2000" dirty="0"/>
-              <a:t> de la nota de la asignatura. El examen tendrá tanto apartados de teoría como preguntas prácticas.</a:t>
+              <a:t> de la nota de la asignatura.</a:t>
             </a:r>
           </a:p>
           <a:p>
             <a:pPr marL="342900" indent="-342900">
-              <a:buFont typeface="Arial"/>
+              <a:buFont typeface="Arial" panose="020B0604020202020204" pitchFamily="34" charset="0"/>
               <a:buChar char="•"/>
             </a:pPr>
-            <a:endParaRPr lang="es-ES_tradnl" sz="2000" dirty="0"/>
+            <a:r>
+              <a:rPr lang="es-ES" sz="2000" dirty="0"/>
+              <a:t>El examen tendrá tanto apartados de teoría como preguntas prácticas.</a:t>
+            </a:r>
+          </a:p>
+          <a:p>
+            <a:pPr marL="342900" indent="-342900">
+              <a:buFont typeface="Arial" panose="020B0604020202020204" pitchFamily="34" charset="0"/>
+              <a:buChar char="•"/>
+            </a:pPr>
+            <a:r>
+              <a:rPr lang="es-ES" sz="2000" dirty="0"/>
+              <a:t>Será condición imprescindible para la superación de la asignatura aprobar el examen escrito.</a:t>
+            </a:r>
           </a:p>
         </p:txBody>
       </p:sp>

--- a/docs/otros/Guia Docente.pptx
+++ b/docs/otros/Guia Docente.pptx
@@ -5,7 +5,7 @@
     <p:sldMasterId id="2147483672" r:id="rId1"/>
   </p:sldMasterIdLst>
   <p:notesMasterIdLst>
-    <p:notesMasterId r:id="rId11"/>
+    <p:notesMasterId r:id="rId13"/>
   </p:notesMasterIdLst>
   <p:sldIdLst>
     <p:sldId id="256" r:id="rId2"/>
@@ -15,8 +15,10 @@
     <p:sldId id="276" r:id="rId6"/>
     <p:sldId id="278" r:id="rId7"/>
     <p:sldId id="279" r:id="rId8"/>
-    <p:sldId id="283" r:id="rId9"/>
-    <p:sldId id="280" r:id="rId10"/>
+    <p:sldId id="280" r:id="rId9"/>
+    <p:sldId id="283" r:id="rId10"/>
+    <p:sldId id="284" r:id="rId11"/>
+    <p:sldId id="285" r:id="rId12"/>
   </p:sldIdLst>
   <p:sldSz cx="9144000" cy="6858000" type="screen4x3"/>
   <p:notesSz cx="6858000" cy="9144000"/>
@@ -137,7 +139,7 @@
 <file path=ppt/revisionInfo.xml><?xml version="1.0" encoding="utf-8"?>
 <p1510:revInfo xmlns:a="http://schemas.openxmlformats.org/drawingml/2006/main" xmlns:r="http://schemas.openxmlformats.org/officeDocument/2006/relationships" xmlns:p1510="http://schemas.microsoft.com/office/powerpoint/2015/10/main">
   <p1510:revLst>
-    <p1510:client id="{6FCBAC8D-E72C-5F4F-A285-CEA83E05685C}" v="1" dt="2021-01-08T09:34:48.707"/>
+    <p1510:client id="{81EF206E-EA77-8944-962E-C4382DCA53A1}" v="2" dt="2021-10-20T13:17:43.704"/>
   </p1510:revLst>
 </p1510:revInfo>
 </file>
@@ -1180,6 +1182,260 @@
     </pc:docChg>
   </pc:docChgLst>
   <pc:docChgLst>
+    <pc:chgData name="Ivan Arribas Fernandez" userId="be159d82-138e-450b-ac0a-32a8f3edab35" providerId="ADAL" clId="{818C8AA4-1B63-2640-9CCD-620097FE3589}"/>
+    <pc:docChg chg="undo custSel addSld modSld sldOrd">
+      <pc:chgData name="Ivan Arribas Fernandez" userId="be159d82-138e-450b-ac0a-32a8f3edab35" providerId="ADAL" clId="{818C8AA4-1B63-2640-9CCD-620097FE3589}" dt="2021-09-07T06:55:11.192" v="2149" actId="478"/>
+      <pc:docMkLst>
+        <pc:docMk/>
+      </pc:docMkLst>
+      <pc:sldChg chg="modSp mod">
+        <pc:chgData name="Ivan Arribas Fernandez" userId="be159d82-138e-450b-ac0a-32a8f3edab35" providerId="ADAL" clId="{818C8AA4-1B63-2640-9CCD-620097FE3589}" dt="2021-09-07T06:13:01.619" v="16" actId="20577"/>
+        <pc:sldMkLst>
+          <pc:docMk/>
+          <pc:sldMk cId="2441807992" sldId="256"/>
+        </pc:sldMkLst>
+        <pc:spChg chg="mod">
+          <ac:chgData name="Ivan Arribas Fernandez" userId="be159d82-138e-450b-ac0a-32a8f3edab35" providerId="ADAL" clId="{818C8AA4-1B63-2640-9CCD-620097FE3589}" dt="2021-09-07T06:13:01.619" v="16" actId="20577"/>
+          <ac:spMkLst>
+            <pc:docMk/>
+            <pc:sldMk cId="2441807992" sldId="256"/>
+            <ac:spMk id="13" creationId="{00000000-0000-0000-0000-000000000000}"/>
+          </ac:spMkLst>
+        </pc:spChg>
+      </pc:sldChg>
+      <pc:sldChg chg="delSp modSp mod">
+        <pc:chgData name="Ivan Arribas Fernandez" userId="be159d82-138e-450b-ac0a-32a8f3edab35" providerId="ADAL" clId="{818C8AA4-1B63-2640-9CCD-620097FE3589}" dt="2021-09-07T06:55:01.165" v="2140" actId="478"/>
+        <pc:sldMkLst>
+          <pc:docMk/>
+          <pc:sldMk cId="345535363" sldId="257"/>
+        </pc:sldMkLst>
+        <pc:spChg chg="mod">
+          <ac:chgData name="Ivan Arribas Fernandez" userId="be159d82-138e-450b-ac0a-32a8f3edab35" providerId="ADAL" clId="{818C8AA4-1B63-2640-9CCD-620097FE3589}" dt="2021-09-07T06:15:11.881" v="214" actId="12"/>
+          <ac:spMkLst>
+            <pc:docMk/>
+            <pc:sldMk cId="345535363" sldId="257"/>
+            <ac:spMk id="5" creationId="{00000000-0000-0000-0000-000000000000}"/>
+          </ac:spMkLst>
+        </pc:spChg>
+        <pc:spChg chg="del">
+          <ac:chgData name="Ivan Arribas Fernandez" userId="be159d82-138e-450b-ac0a-32a8f3edab35" providerId="ADAL" clId="{818C8AA4-1B63-2640-9CCD-620097FE3589}" dt="2021-09-07T06:55:01.165" v="2140" actId="478"/>
+          <ac:spMkLst>
+            <pc:docMk/>
+            <pc:sldMk cId="345535363" sldId="257"/>
+            <ac:spMk id="6" creationId="{00000000-0000-0000-0000-000000000000}"/>
+          </ac:spMkLst>
+        </pc:spChg>
+      </pc:sldChg>
+      <pc:sldChg chg="delSp modSp mod">
+        <pc:chgData name="Ivan Arribas Fernandez" userId="be159d82-138e-450b-ac0a-32a8f3edab35" providerId="ADAL" clId="{818C8AA4-1B63-2640-9CCD-620097FE3589}" dt="2021-09-07T06:55:02.374" v="2141" actId="478"/>
+        <pc:sldMkLst>
+          <pc:docMk/>
+          <pc:sldMk cId="2961673494" sldId="258"/>
+        </pc:sldMkLst>
+        <pc:spChg chg="mod">
+          <ac:chgData name="Ivan Arribas Fernandez" userId="be159d82-138e-450b-ac0a-32a8f3edab35" providerId="ADAL" clId="{818C8AA4-1B63-2640-9CCD-620097FE3589}" dt="2021-09-07T06:19:17.144" v="334" actId="20577"/>
+          <ac:spMkLst>
+            <pc:docMk/>
+            <pc:sldMk cId="2961673494" sldId="258"/>
+            <ac:spMk id="7" creationId="{00000000-0000-0000-0000-000000000000}"/>
+          </ac:spMkLst>
+        </pc:spChg>
+        <pc:spChg chg="del">
+          <ac:chgData name="Ivan Arribas Fernandez" userId="be159d82-138e-450b-ac0a-32a8f3edab35" providerId="ADAL" clId="{818C8AA4-1B63-2640-9CCD-620097FE3589}" dt="2021-09-07T06:55:02.374" v="2141" actId="478"/>
+          <ac:spMkLst>
+            <pc:docMk/>
+            <pc:sldMk cId="2961673494" sldId="258"/>
+            <ac:spMk id="8" creationId="{00000000-0000-0000-0000-000000000000}"/>
+          </ac:spMkLst>
+        </pc:spChg>
+      </pc:sldChg>
+      <pc:sldChg chg="delSp mod">
+        <pc:chgData name="Ivan Arribas Fernandez" userId="be159d82-138e-450b-ac0a-32a8f3edab35" providerId="ADAL" clId="{818C8AA4-1B63-2640-9CCD-620097FE3589}" dt="2021-09-07T06:55:03.762" v="2142" actId="478"/>
+        <pc:sldMkLst>
+          <pc:docMk/>
+          <pc:sldMk cId="1666538057" sldId="274"/>
+        </pc:sldMkLst>
+        <pc:spChg chg="del">
+          <ac:chgData name="Ivan Arribas Fernandez" userId="be159d82-138e-450b-ac0a-32a8f3edab35" providerId="ADAL" clId="{818C8AA4-1B63-2640-9CCD-620097FE3589}" dt="2021-09-07T06:55:03.762" v="2142" actId="478"/>
+          <ac:spMkLst>
+            <pc:docMk/>
+            <pc:sldMk cId="1666538057" sldId="274"/>
+            <ac:spMk id="9" creationId="{00000000-0000-0000-0000-000000000000}"/>
+          </ac:spMkLst>
+        </pc:spChg>
+      </pc:sldChg>
+      <pc:sldChg chg="delSp modSp mod">
+        <pc:chgData name="Ivan Arribas Fernandez" userId="be159d82-138e-450b-ac0a-32a8f3edab35" providerId="ADAL" clId="{818C8AA4-1B63-2640-9CCD-620097FE3589}" dt="2021-09-07T06:55:04.870" v="2143" actId="478"/>
+        <pc:sldMkLst>
+          <pc:docMk/>
+          <pc:sldMk cId="2020806516" sldId="276"/>
+        </pc:sldMkLst>
+        <pc:spChg chg="mod">
+          <ac:chgData name="Ivan Arribas Fernandez" userId="be159d82-138e-450b-ac0a-32a8f3edab35" providerId="ADAL" clId="{818C8AA4-1B63-2640-9CCD-620097FE3589}" dt="2021-09-07T06:17:30.647" v="226" actId="20577"/>
+          <ac:spMkLst>
+            <pc:docMk/>
+            <pc:sldMk cId="2020806516" sldId="276"/>
+            <ac:spMk id="3" creationId="{00000000-0000-0000-0000-000000000000}"/>
+          </ac:spMkLst>
+        </pc:spChg>
+        <pc:spChg chg="del">
+          <ac:chgData name="Ivan Arribas Fernandez" userId="be159d82-138e-450b-ac0a-32a8f3edab35" providerId="ADAL" clId="{818C8AA4-1B63-2640-9CCD-620097FE3589}" dt="2021-09-07T06:55:04.870" v="2143" actId="478"/>
+          <ac:spMkLst>
+            <pc:docMk/>
+            <pc:sldMk cId="2020806516" sldId="276"/>
+            <ac:spMk id="7" creationId="{00000000-0000-0000-0000-000000000000}"/>
+          </ac:spMkLst>
+        </pc:spChg>
+      </pc:sldChg>
+      <pc:sldChg chg="delSp modSp mod">
+        <pc:chgData name="Ivan Arribas Fernandez" userId="be159d82-138e-450b-ac0a-32a8f3edab35" providerId="ADAL" clId="{818C8AA4-1B63-2640-9CCD-620097FE3589}" dt="2021-09-07T06:55:05.924" v="2144" actId="478"/>
+        <pc:sldMkLst>
+          <pc:docMk/>
+          <pc:sldMk cId="2128949269" sldId="278"/>
+        </pc:sldMkLst>
+        <pc:spChg chg="del">
+          <ac:chgData name="Ivan Arribas Fernandez" userId="be159d82-138e-450b-ac0a-32a8f3edab35" providerId="ADAL" clId="{818C8AA4-1B63-2640-9CCD-620097FE3589}" dt="2021-09-07T06:55:05.924" v="2144" actId="478"/>
+          <ac:spMkLst>
+            <pc:docMk/>
+            <pc:sldMk cId="2128949269" sldId="278"/>
+            <ac:spMk id="7" creationId="{00000000-0000-0000-0000-000000000000}"/>
+          </ac:spMkLst>
+        </pc:spChg>
+        <pc:spChg chg="mod">
+          <ac:chgData name="Ivan Arribas Fernandez" userId="be159d82-138e-450b-ac0a-32a8f3edab35" providerId="ADAL" clId="{818C8AA4-1B63-2640-9CCD-620097FE3589}" dt="2021-09-07T06:28:37.875" v="348" actId="20577"/>
+          <ac:spMkLst>
+            <pc:docMk/>
+            <pc:sldMk cId="2128949269" sldId="278"/>
+            <ac:spMk id="8" creationId="{F5C207F8-F8A2-9A49-A7A1-991A6E081467}"/>
+          </ac:spMkLst>
+        </pc:spChg>
+      </pc:sldChg>
+      <pc:sldChg chg="delSp modSp mod">
+        <pc:chgData name="Ivan Arribas Fernandez" userId="be159d82-138e-450b-ac0a-32a8f3edab35" providerId="ADAL" clId="{818C8AA4-1B63-2640-9CCD-620097FE3589}" dt="2021-09-07T06:55:06.927" v="2145" actId="478"/>
+        <pc:sldMkLst>
+          <pc:docMk/>
+          <pc:sldMk cId="2128949269" sldId="279"/>
+        </pc:sldMkLst>
+        <pc:spChg chg="mod">
+          <ac:chgData name="Ivan Arribas Fernandez" userId="be159d82-138e-450b-ac0a-32a8f3edab35" providerId="ADAL" clId="{818C8AA4-1B63-2640-9CCD-620097FE3589}" dt="2021-09-07T06:30:37.020" v="451" actId="113"/>
+          <ac:spMkLst>
+            <pc:docMk/>
+            <pc:sldMk cId="2128949269" sldId="279"/>
+            <ac:spMk id="3" creationId="{00000000-0000-0000-0000-000000000000}"/>
+          </ac:spMkLst>
+        </pc:spChg>
+        <pc:spChg chg="del">
+          <ac:chgData name="Ivan Arribas Fernandez" userId="be159d82-138e-450b-ac0a-32a8f3edab35" providerId="ADAL" clId="{818C8AA4-1B63-2640-9CCD-620097FE3589}" dt="2021-09-07T06:55:06.927" v="2145" actId="478"/>
+          <ac:spMkLst>
+            <pc:docMk/>
+            <pc:sldMk cId="2128949269" sldId="279"/>
+            <ac:spMk id="7" creationId="{00000000-0000-0000-0000-000000000000}"/>
+          </ac:spMkLst>
+        </pc:spChg>
+      </pc:sldChg>
+      <pc:sldChg chg="delSp modSp mod ord">
+        <pc:chgData name="Ivan Arribas Fernandez" userId="be159d82-138e-450b-ac0a-32a8f3edab35" providerId="ADAL" clId="{818C8AA4-1B63-2640-9CCD-620097FE3589}" dt="2021-09-07T06:55:08.202" v="2146" actId="478"/>
+        <pc:sldMkLst>
+          <pc:docMk/>
+          <pc:sldMk cId="186384705" sldId="280"/>
+        </pc:sldMkLst>
+        <pc:spChg chg="mod">
+          <ac:chgData name="Ivan Arribas Fernandez" userId="be159d82-138e-450b-ac0a-32a8f3edab35" providerId="ADAL" clId="{818C8AA4-1B63-2640-9CCD-620097FE3589}" dt="2021-09-07T06:36:19.556" v="965" actId="113"/>
+          <ac:spMkLst>
+            <pc:docMk/>
+            <pc:sldMk cId="186384705" sldId="280"/>
+            <ac:spMk id="3" creationId="{00000000-0000-0000-0000-000000000000}"/>
+          </ac:spMkLst>
+        </pc:spChg>
+        <pc:spChg chg="del">
+          <ac:chgData name="Ivan Arribas Fernandez" userId="be159d82-138e-450b-ac0a-32a8f3edab35" providerId="ADAL" clId="{818C8AA4-1B63-2640-9CCD-620097FE3589}" dt="2021-09-07T06:55:08.202" v="2146" actId="478"/>
+          <ac:spMkLst>
+            <pc:docMk/>
+            <pc:sldMk cId="186384705" sldId="280"/>
+            <ac:spMk id="7" creationId="{00000000-0000-0000-0000-000000000000}"/>
+          </ac:spMkLst>
+        </pc:spChg>
+      </pc:sldChg>
+      <pc:sldChg chg="delSp mod">
+        <pc:chgData name="Ivan Arribas Fernandez" userId="be159d82-138e-450b-ac0a-32a8f3edab35" providerId="ADAL" clId="{818C8AA4-1B63-2640-9CCD-620097FE3589}" dt="2021-09-07T06:55:09.160" v="2147" actId="478"/>
+        <pc:sldMkLst>
+          <pc:docMk/>
+          <pc:sldMk cId="3178911644" sldId="283"/>
+        </pc:sldMkLst>
+        <pc:spChg chg="del">
+          <ac:chgData name="Ivan Arribas Fernandez" userId="be159d82-138e-450b-ac0a-32a8f3edab35" providerId="ADAL" clId="{818C8AA4-1B63-2640-9CCD-620097FE3589}" dt="2021-09-07T06:55:09.160" v="2147" actId="478"/>
+          <ac:spMkLst>
+            <pc:docMk/>
+            <pc:sldMk cId="3178911644" sldId="283"/>
+            <ac:spMk id="7" creationId="{00000000-0000-0000-0000-000000000000}"/>
+          </ac:spMkLst>
+        </pc:spChg>
+      </pc:sldChg>
+      <pc:sldChg chg="delSp modSp add mod">
+        <pc:chgData name="Ivan Arribas Fernandez" userId="be159d82-138e-450b-ac0a-32a8f3edab35" providerId="ADAL" clId="{818C8AA4-1B63-2640-9CCD-620097FE3589}" dt="2021-09-07T06:55:10.185" v="2148" actId="478"/>
+        <pc:sldMkLst>
+          <pc:docMk/>
+          <pc:sldMk cId="809316835" sldId="284"/>
+        </pc:sldMkLst>
+        <pc:spChg chg="mod">
+          <ac:chgData name="Ivan Arribas Fernandez" userId="be159d82-138e-450b-ac0a-32a8f3edab35" providerId="ADAL" clId="{818C8AA4-1B63-2640-9CCD-620097FE3589}" dt="2021-09-07T06:51:19.745" v="1599" actId="20577"/>
+          <ac:spMkLst>
+            <pc:docMk/>
+            <pc:sldMk cId="809316835" sldId="284"/>
+            <ac:spMk id="2" creationId="{00000000-0000-0000-0000-000000000000}"/>
+          </ac:spMkLst>
+        </pc:spChg>
+        <pc:spChg chg="mod">
+          <ac:chgData name="Ivan Arribas Fernandez" userId="be159d82-138e-450b-ac0a-32a8f3edab35" providerId="ADAL" clId="{818C8AA4-1B63-2640-9CCD-620097FE3589}" dt="2021-09-07T06:50:31.373" v="1597" actId="20577"/>
+          <ac:spMkLst>
+            <pc:docMk/>
+            <pc:sldMk cId="809316835" sldId="284"/>
+            <ac:spMk id="3" creationId="{00000000-0000-0000-0000-000000000000}"/>
+          </ac:spMkLst>
+        </pc:spChg>
+        <pc:spChg chg="del">
+          <ac:chgData name="Ivan Arribas Fernandez" userId="be159d82-138e-450b-ac0a-32a8f3edab35" providerId="ADAL" clId="{818C8AA4-1B63-2640-9CCD-620097FE3589}" dt="2021-09-07T06:55:10.185" v="2148" actId="478"/>
+          <ac:spMkLst>
+            <pc:docMk/>
+            <pc:sldMk cId="809316835" sldId="284"/>
+            <ac:spMk id="7" creationId="{00000000-0000-0000-0000-000000000000}"/>
+          </ac:spMkLst>
+        </pc:spChg>
+      </pc:sldChg>
+      <pc:sldChg chg="delSp modSp add mod">
+        <pc:chgData name="Ivan Arribas Fernandez" userId="be159d82-138e-450b-ac0a-32a8f3edab35" providerId="ADAL" clId="{818C8AA4-1B63-2640-9CCD-620097FE3589}" dt="2021-09-07T06:55:11.192" v="2149" actId="478"/>
+        <pc:sldMkLst>
+          <pc:docMk/>
+          <pc:sldMk cId="3715803757" sldId="285"/>
+        </pc:sldMkLst>
+        <pc:spChg chg="mod">
+          <ac:chgData name="Ivan Arribas Fernandez" userId="be159d82-138e-450b-ac0a-32a8f3edab35" providerId="ADAL" clId="{818C8AA4-1B63-2640-9CCD-620097FE3589}" dt="2021-09-07T06:51:46.310" v="1601" actId="20577"/>
+          <ac:spMkLst>
+            <pc:docMk/>
+            <pc:sldMk cId="3715803757" sldId="285"/>
+            <ac:spMk id="2" creationId="{00000000-0000-0000-0000-000000000000}"/>
+          </ac:spMkLst>
+        </pc:spChg>
+        <pc:spChg chg="mod">
+          <ac:chgData name="Ivan Arribas Fernandez" userId="be159d82-138e-450b-ac0a-32a8f3edab35" providerId="ADAL" clId="{818C8AA4-1B63-2640-9CCD-620097FE3589}" dt="2021-09-07T06:54:45.127" v="2139" actId="20577"/>
+          <ac:spMkLst>
+            <pc:docMk/>
+            <pc:sldMk cId="3715803757" sldId="285"/>
+            <ac:spMk id="3" creationId="{00000000-0000-0000-0000-000000000000}"/>
+          </ac:spMkLst>
+        </pc:spChg>
+        <pc:spChg chg="del">
+          <ac:chgData name="Ivan Arribas Fernandez" userId="be159d82-138e-450b-ac0a-32a8f3edab35" providerId="ADAL" clId="{818C8AA4-1B63-2640-9CCD-620097FE3589}" dt="2021-09-07T06:55:11.192" v="2149" actId="478"/>
+          <ac:spMkLst>
+            <pc:docMk/>
+            <pc:sldMk cId="3715803757" sldId="285"/>
+            <ac:spMk id="7" creationId="{00000000-0000-0000-0000-000000000000}"/>
+          </ac:spMkLst>
+        </pc:spChg>
+      </pc:sldChg>
+    </pc:docChg>
+  </pc:docChgLst>
+  <pc:docChgLst>
     <pc:chgData name="Ivan Arribas Fernandez" userId="be159d82-138e-450b-ac0a-32a8f3edab35" providerId="ADAL" clId="{6FCBAC8D-E72C-5F4F-A285-CEA83E05685C}"/>
     <pc:docChg chg="custSel modSld">
       <pc:chgData name="Ivan Arribas Fernandez" userId="be159d82-138e-450b-ac0a-32a8f3edab35" providerId="ADAL" clId="{6FCBAC8D-E72C-5F4F-A285-CEA83E05685C}" dt="2021-01-08T09:35:41.806" v="83" actId="5793"/>
@@ -1227,6 +1483,30 @@
           <ac:spMkLst>
             <pc:docMk/>
             <pc:sldMk cId="3178911644" sldId="283"/>
+            <ac:spMk id="3" creationId="{00000000-0000-0000-0000-000000000000}"/>
+          </ac:spMkLst>
+        </pc:spChg>
+      </pc:sldChg>
+    </pc:docChg>
+  </pc:docChgLst>
+  <pc:docChgLst>
+    <pc:chgData name="Ivan Arribas Fernandez" userId="be159d82-138e-450b-ac0a-32a8f3edab35" providerId="ADAL" clId="{81EF206E-EA77-8944-962E-C4382DCA53A1}"/>
+    <pc:docChg chg="undo custSel modSld">
+      <pc:chgData name="Ivan Arribas Fernandez" userId="be159d82-138e-450b-ac0a-32a8f3edab35" providerId="ADAL" clId="{81EF206E-EA77-8944-962E-C4382DCA53A1}" dt="2021-10-20T13:17:49.885" v="35" actId="20577"/>
+      <pc:docMkLst>
+        <pc:docMk/>
+      </pc:docMkLst>
+      <pc:sldChg chg="modSp mod">
+        <pc:chgData name="Ivan Arribas Fernandez" userId="be159d82-138e-450b-ac0a-32a8f3edab35" providerId="ADAL" clId="{81EF206E-EA77-8944-962E-C4382DCA53A1}" dt="2021-10-20T13:17:49.885" v="35" actId="20577"/>
+        <pc:sldMkLst>
+          <pc:docMk/>
+          <pc:sldMk cId="809316835" sldId="284"/>
+        </pc:sldMkLst>
+        <pc:spChg chg="mod">
+          <ac:chgData name="Ivan Arribas Fernandez" userId="be159d82-138e-450b-ac0a-32a8f3edab35" providerId="ADAL" clId="{81EF206E-EA77-8944-962E-C4382DCA53A1}" dt="2021-10-20T13:17:49.885" v="35" actId="20577"/>
+          <ac:spMkLst>
+            <pc:docMk/>
+            <pc:sldMk cId="809316835" sldId="284"/>
             <ac:spMk id="3" creationId="{00000000-0000-0000-0000-000000000000}"/>
           </ac:spMkLst>
         </pc:spChg>
@@ -1318,7 +1598,7 @@
           <a:p>
             <a:fld id="{0514509D-DBC2-4581-947B-3A5CED726F29}" type="datetimeFigureOut">
               <a:rPr lang="es-ES" smtClean="0"/>
-              <a:t>8/1/21</a:t>
+              <a:t>20/10/21</a:t>
             </a:fld>
             <a:endParaRPr lang="es-ES"/>
           </a:p>
@@ -1862,7 +2142,7 @@
           <a:p>
             <a:fld id="{800D4C4D-9136-497F-83D9-49D52CCCD8BE}" type="datetime1">
               <a:rPr lang="es-ES" smtClean="0"/>
-              <a:t>8/1/21</a:t>
+              <a:t>20/10/21</a:t>
             </a:fld>
             <a:endParaRPr lang="es-ES"/>
           </a:p>
@@ -2072,7 +2352,7 @@
           <a:p>
             <a:fld id="{4B1544AB-5837-4982-94D4-FAA3CA29AF65}" type="datetime1">
               <a:rPr lang="es-ES" smtClean="0"/>
-              <a:t>8/1/21</a:t>
+              <a:t>20/10/21</a:t>
             </a:fld>
             <a:endParaRPr lang="es-ES"/>
           </a:p>
@@ -2247,7 +2527,7 @@
           <a:p>
             <a:fld id="{E8E54D38-30D9-4BF4-82D5-13F0E57A0F85}" type="datetime1">
               <a:rPr lang="es-ES" smtClean="0"/>
-              <a:t>8/1/21</a:t>
+              <a:t>20/10/21</a:t>
             </a:fld>
             <a:endParaRPr lang="es-ES"/>
           </a:p>
@@ -2468,7 +2748,7 @@
           <a:p>
             <a:fld id="{E4B9A560-E10B-4350-8FE8-946FC5714FA3}" type="datetime1">
               <a:rPr lang="es-ES" smtClean="0"/>
-              <a:t>8/1/21</a:t>
+              <a:t>20/10/21</a:t>
             </a:fld>
             <a:endParaRPr lang="es-ES"/>
           </a:p>
@@ -2715,7 +2995,7 @@
           <a:p>
             <a:fld id="{C9F2CDFB-1DD6-4289-B312-9FE549A0F732}" type="datetime1">
               <a:rPr lang="es-ES" smtClean="0"/>
-              <a:t>8/1/21</a:t>
+              <a:t>20/10/21</a:t>
             </a:fld>
             <a:endParaRPr lang="es-ES"/>
           </a:p>
@@ -2832,7 +3112,7 @@
           <a:p>
             <a:fld id="{777A1539-4B1E-4634-B8E0-5A5A4AB45A77}" type="datetime1">
               <a:rPr lang="es-ES" smtClean="0"/>
-              <a:t>8/1/21</a:t>
+              <a:t>20/10/21</a:t>
             </a:fld>
             <a:endParaRPr lang="es-ES"/>
           </a:p>
@@ -3197,7 +3477,7 @@
           <a:p>
             <a:fld id="{991B0F75-ADB3-481A-A2DE-3BBDE6C5347F}" type="datetime1">
               <a:rPr lang="es-ES" smtClean="0"/>
-              <a:t>8/1/21</a:t>
+              <a:t>20/10/21</a:t>
             </a:fld>
             <a:endParaRPr lang="es-ES"/>
           </a:p>
@@ -3428,7 +3708,7 @@
           <a:p>
             <a:fld id="{F4F06CED-6D03-4D1C-B18B-031F6B886FBF}" type="datetime1">
               <a:rPr lang="es-ES" smtClean="0"/>
-              <a:t>8/1/21</a:t>
+              <a:t>20/10/21</a:t>
             </a:fld>
             <a:endParaRPr lang="es-ES"/>
           </a:p>
@@ -3518,7 +3798,7 @@
           <a:p>
             <a:fld id="{ADDAD082-E6B9-4F72-8B26-FBEE32FDF76F}" type="datetime1">
               <a:rPr lang="es-ES" smtClean="0"/>
-              <a:t>8/1/21</a:t>
+              <a:t>20/10/21</a:t>
             </a:fld>
             <a:endParaRPr lang="es-ES"/>
           </a:p>
@@ -3777,7 +4057,7 @@
           <a:p>
             <a:fld id="{40ECAE2E-5227-429B-AD7D-B77994026986}" type="datetime1">
               <a:rPr lang="es-ES" smtClean="0"/>
-              <a:t>8/1/21</a:t>
+              <a:t>20/10/21</a:t>
             </a:fld>
             <a:endParaRPr lang="es-ES"/>
           </a:p>
@@ -4041,7 +4321,7 @@
           <a:p>
             <a:fld id="{C5160EC2-DA78-4304-A9C1-062C73098644}" type="datetime1">
               <a:rPr lang="es-ES" smtClean="0"/>
-              <a:t>8/1/21</a:t>
+              <a:t>20/10/21</a:t>
             </a:fld>
             <a:endParaRPr lang="es-ES"/>
           </a:p>
@@ -4575,7 +4855,7 @@
           <a:p>
             <a:fld id="{D5B34832-638B-4DAC-9E1F-E80827107D42}" type="datetime1">
               <a:rPr lang="es-ES" smtClean="0"/>
-              <a:t>8/1/21</a:t>
+              <a:t>20/10/21</a:t>
             </a:fld>
             <a:endParaRPr lang="es-ES"/>
           </a:p>
@@ -4957,7 +5237,7 @@
             <a:pPr algn="ctr"/>
             <a:r>
               <a:rPr lang="es-ES" sz="4000" dirty="0"/>
-              <a:t>Guía docente</a:t>
+              <a:t>Extracto de la guía docente</a:t>
             </a:r>
           </a:p>
         </p:txBody>
@@ -5011,6 +5291,480 @@
 </p:sld>
 </file>
 
+<file path=ppt/slides/slide10.xml><?xml version="1.0" encoding="utf-8"?>
+<p:sld xmlns:a="http://schemas.openxmlformats.org/drawingml/2006/main" xmlns:r="http://schemas.openxmlformats.org/officeDocument/2006/relationships" xmlns:p="http://schemas.openxmlformats.org/presentationml/2006/main">
+  <p:cSld>
+    <p:spTree>
+      <p:nvGrpSpPr>
+        <p:cNvPr id="1" name=""/>
+        <p:cNvGrpSpPr/>
+        <p:nvPr/>
+      </p:nvGrpSpPr>
+      <p:grpSpPr>
+        <a:xfrm>
+          <a:off x="0" y="0"/>
+          <a:ext cx="0" cy="0"/>
+          <a:chOff x="0" y="0"/>
+          <a:chExt cx="0" cy="0"/>
+        </a:xfrm>
+      </p:grpSpPr>
+      <p:sp>
+        <p:nvSpPr>
+          <p:cNvPr id="2" name="1 Subtítulo"/>
+          <p:cNvSpPr>
+            <a:spLocks noGrp="1"/>
+          </p:cNvSpPr>
+          <p:nvPr>
+            <p:ph type="subTitle" idx="1"/>
+          </p:nvPr>
+        </p:nvSpPr>
+        <p:spPr>
+          <a:xfrm>
+            <a:off x="733028" y="201304"/>
+            <a:ext cx="6912768" cy="504056"/>
+          </a:xfrm>
+        </p:spPr>
+        <p:txBody>
+          <a:bodyPr>
+            <a:normAutofit fontScale="77500" lnSpcReduction="20000"/>
+          </a:bodyPr>
+          <a:lstStyle/>
+          <a:p>
+            <a:pPr algn="l"/>
+            <a:r>
+              <a:rPr lang="es-ES" sz="4000" dirty="0">
+                <a:solidFill>
+                  <a:schemeClr val="accent1">
+                    <a:lumMod val="75000"/>
+                  </a:schemeClr>
+                </a:solidFill>
+                <a:latin typeface="+mj-lt"/>
+              </a:rPr>
+              <a:t>R y </a:t>
+            </a:r>
+            <a:r>
+              <a:rPr lang="es-ES" sz="4000" dirty="0" err="1">
+                <a:solidFill>
+                  <a:schemeClr val="accent1">
+                    <a:lumMod val="75000"/>
+                  </a:schemeClr>
+                </a:solidFill>
+                <a:latin typeface="+mj-lt"/>
+              </a:rPr>
+              <a:t>RStudio</a:t>
+            </a:r>
+            <a:r>
+              <a:rPr lang="es-ES" sz="4000" dirty="0">
+                <a:solidFill>
+                  <a:schemeClr val="accent1">
+                    <a:lumMod val="75000"/>
+                  </a:schemeClr>
+                </a:solidFill>
+                <a:latin typeface="+mj-lt"/>
+              </a:rPr>
+              <a:t>: librerías (</a:t>
+            </a:r>
+            <a:r>
+              <a:rPr lang="es-ES" sz="4000" dirty="0" err="1">
+                <a:solidFill>
+                  <a:schemeClr val="accent1">
+                    <a:lumMod val="75000"/>
+                  </a:schemeClr>
+                </a:solidFill>
+                <a:latin typeface="+mj-lt"/>
+              </a:rPr>
+              <a:t>packages</a:t>
+            </a:r>
+            <a:r>
+              <a:rPr lang="es-ES" sz="4000" dirty="0">
+                <a:solidFill>
+                  <a:schemeClr val="accent1">
+                    <a:lumMod val="75000"/>
+                  </a:schemeClr>
+                </a:solidFill>
+                <a:latin typeface="+mj-lt"/>
+              </a:rPr>
+              <a:t>)</a:t>
+            </a:r>
+            <a:endParaRPr lang="es-ES" dirty="0">
+              <a:solidFill>
+                <a:schemeClr val="accent1">
+                  <a:lumMod val="75000"/>
+                </a:schemeClr>
+              </a:solidFill>
+              <a:latin typeface="+mj-lt"/>
+            </a:endParaRPr>
+          </a:p>
+        </p:txBody>
+      </p:sp>
+      <p:sp>
+        <p:nvSpPr>
+          <p:cNvPr id="3" name="2 Rectángulo"/>
+          <p:cNvSpPr/>
+          <p:nvPr/>
+        </p:nvSpPr>
+        <p:spPr>
+          <a:xfrm>
+            <a:off x="899592" y="836712"/>
+            <a:ext cx="7848872" cy="4878259"/>
+          </a:xfrm>
+          <a:prstGeom prst="rect">
+            <a:avLst/>
+          </a:prstGeom>
+        </p:spPr>
+        <p:txBody>
+          <a:bodyPr wrap="square">
+            <a:spAutoFit/>
+          </a:bodyPr>
+          <a:lstStyle/>
+          <a:p>
+            <a:pPr lvl="0" algn="just">
+              <a:spcAft>
+                <a:spcPts val="600"/>
+              </a:spcAft>
+            </a:pPr>
+            <a:r>
+              <a:rPr lang="es-ES_tradnl" sz="2000" dirty="0"/>
+              <a:t>Durante el curso necesitaremos tener instalas en R las librerías</a:t>
+            </a:r>
+          </a:p>
+          <a:p>
+            <a:pPr lvl="0" algn="just">
+              <a:spcAft>
+                <a:spcPts val="600"/>
+              </a:spcAft>
+            </a:pPr>
+            <a:endParaRPr lang="es-ES_tradnl" sz="2000" dirty="0"/>
+          </a:p>
+          <a:p>
+            <a:pPr marL="342900" lvl="0" indent="-342900" algn="just">
+              <a:spcAft>
+                <a:spcPts val="600"/>
+              </a:spcAft>
+              <a:buFont typeface="Arial" panose="020B0604020202020204" pitchFamily="34" charset="0"/>
+              <a:buChar char="•"/>
+            </a:pPr>
+            <a:r>
+              <a:rPr lang="es-ES_tradnl" sz="2000" b="1" dirty="0" err="1"/>
+              <a:t>forecast</a:t>
+            </a:r>
+            <a:r>
+              <a:rPr lang="es-ES_tradnl" sz="2000" dirty="0"/>
+              <a:t> (la nuclear del curso)</a:t>
+            </a:r>
+          </a:p>
+          <a:p>
+            <a:pPr marL="342900" lvl="0" indent="-342900" algn="just">
+              <a:spcAft>
+                <a:spcPts val="600"/>
+              </a:spcAft>
+              <a:buFont typeface="Arial" panose="020B0604020202020204" pitchFamily="34" charset="0"/>
+              <a:buChar char="•"/>
+            </a:pPr>
+            <a:r>
+              <a:rPr lang="es-ES_tradnl" sz="2000" dirty="0"/>
+              <a:t>ggplot2 (para los gráficos)</a:t>
+            </a:r>
+          </a:p>
+          <a:p>
+            <a:pPr marL="342900" lvl="0" indent="-342900" algn="just">
+              <a:spcAft>
+                <a:spcPts val="600"/>
+              </a:spcAft>
+              <a:buFont typeface="Arial" panose="020B0604020202020204" pitchFamily="34" charset="0"/>
+              <a:buChar char="•"/>
+            </a:pPr>
+            <a:r>
+              <a:rPr lang="es-ES_tradnl" sz="2000" dirty="0" err="1"/>
+              <a:t>aod</a:t>
+            </a:r>
+            <a:r>
+              <a:rPr lang="es-ES_tradnl" sz="2000" dirty="0"/>
+              <a:t> (solo para los temas 6 y 7)</a:t>
+            </a:r>
+          </a:p>
+          <a:p>
+            <a:pPr marL="342900" lvl="0" indent="-342900" algn="just">
+              <a:spcAft>
+                <a:spcPts val="600"/>
+              </a:spcAft>
+              <a:buFont typeface="Arial" panose="020B0604020202020204" pitchFamily="34" charset="0"/>
+              <a:buChar char="•"/>
+            </a:pPr>
+            <a:r>
+              <a:rPr lang="es-ES_tradnl" sz="2000" dirty="0" err="1"/>
+              <a:t>seasonal</a:t>
+            </a:r>
+            <a:r>
+              <a:rPr lang="es-ES_tradnl" sz="2000" dirty="0"/>
+              <a:t> (solo para el tema 7)</a:t>
+            </a:r>
+          </a:p>
+          <a:p>
+            <a:pPr marL="342900" indent="-342900" algn="just">
+              <a:spcAft>
+                <a:spcPts val="600"/>
+              </a:spcAft>
+              <a:buFont typeface="Arial" panose="020B0604020202020204" pitchFamily="34" charset="0"/>
+              <a:buChar char="•"/>
+            </a:pPr>
+            <a:r>
+              <a:rPr lang="es-ES_tradnl" sz="2000" dirty="0" err="1"/>
+              <a:t>timeDate</a:t>
+            </a:r>
+            <a:r>
+              <a:rPr lang="es-ES_tradnl" sz="2000" dirty="0"/>
+              <a:t> (solo para el tema 7)</a:t>
+            </a:r>
+          </a:p>
+          <a:p>
+            <a:pPr lvl="0" algn="just">
+              <a:spcAft>
+                <a:spcPts val="600"/>
+              </a:spcAft>
+            </a:pPr>
+            <a:endParaRPr lang="es-ES_tradnl" sz="2000" dirty="0"/>
+          </a:p>
+          <a:p>
+            <a:pPr lvl="0" algn="just">
+              <a:spcAft>
+                <a:spcPts val="600"/>
+              </a:spcAft>
+            </a:pPr>
+            <a:r>
+              <a:rPr lang="es-ES_tradnl" sz="2000" dirty="0"/>
+              <a:t>Además, para realizar los trabajos prácticos (50% de la nota) necesitamos realizar documentos PDF con </a:t>
+            </a:r>
+            <a:r>
+              <a:rPr lang="es-ES_tradnl" sz="2000" dirty="0" err="1"/>
+              <a:t>Rmarkdown</a:t>
+            </a:r>
+            <a:r>
+              <a:rPr lang="es-ES_tradnl" sz="2000" dirty="0"/>
+              <a:t> así que instala también</a:t>
+            </a:r>
+          </a:p>
+          <a:p>
+            <a:pPr marL="342900" lvl="0" indent="-342900" algn="just">
+              <a:spcAft>
+                <a:spcPts val="600"/>
+              </a:spcAft>
+              <a:buFont typeface="Arial" panose="020B0604020202020204" pitchFamily="34" charset="0"/>
+              <a:buChar char="•"/>
+            </a:pPr>
+            <a:r>
+              <a:rPr lang="es-ES_tradnl" sz="2000" b="1" dirty="0" err="1"/>
+              <a:t>rmarkdown</a:t>
+            </a:r>
+            <a:endParaRPr lang="es-ES_tradnl" sz="2000" b="1" dirty="0"/>
+          </a:p>
+          <a:p>
+            <a:pPr marL="342900" lvl="0" indent="-342900" algn="just">
+              <a:spcAft>
+                <a:spcPts val="600"/>
+              </a:spcAft>
+              <a:buFont typeface="Arial" panose="020B0604020202020204" pitchFamily="34" charset="0"/>
+              <a:buChar char="•"/>
+            </a:pPr>
+            <a:endParaRPr lang="es-ES_tradnl" sz="1600" dirty="0"/>
+          </a:p>
+          <a:p>
+            <a:pPr lvl="0" algn="just">
+              <a:spcAft>
+                <a:spcPts val="600"/>
+              </a:spcAft>
+            </a:pPr>
+            <a:r>
+              <a:rPr lang="es-ES_tradnl" sz="2000" dirty="0"/>
+              <a:t>En todos los casos verifica que instalas todas las </a:t>
+            </a:r>
+            <a:r>
+              <a:rPr lang="es-ES_tradnl" sz="2000" b="1" dirty="0"/>
+              <a:t>dependencias.</a:t>
+            </a:r>
+          </a:p>
+        </p:txBody>
+      </p:sp>
+    </p:spTree>
+    <p:extLst>
+      <p:ext uri="{BB962C8B-B14F-4D97-AF65-F5344CB8AC3E}">
+        <p14:creationId xmlns:p14="http://schemas.microsoft.com/office/powerpoint/2010/main" val="809316835"/>
+      </p:ext>
+    </p:extLst>
+  </p:cSld>
+  <p:clrMapOvr>
+    <a:masterClrMapping/>
+  </p:clrMapOvr>
+</p:sld>
+</file>
+
+<file path=ppt/slides/slide11.xml><?xml version="1.0" encoding="utf-8"?>
+<p:sld xmlns:a="http://schemas.openxmlformats.org/drawingml/2006/main" xmlns:r="http://schemas.openxmlformats.org/officeDocument/2006/relationships" xmlns:p="http://schemas.openxmlformats.org/presentationml/2006/main">
+  <p:cSld>
+    <p:spTree>
+      <p:nvGrpSpPr>
+        <p:cNvPr id="1" name=""/>
+        <p:cNvGrpSpPr/>
+        <p:nvPr/>
+      </p:nvGrpSpPr>
+      <p:grpSpPr>
+        <a:xfrm>
+          <a:off x="0" y="0"/>
+          <a:ext cx="0" cy="0"/>
+          <a:chOff x="0" y="0"/>
+          <a:chExt cx="0" cy="0"/>
+        </a:xfrm>
+      </p:grpSpPr>
+      <p:sp>
+        <p:nvSpPr>
+          <p:cNvPr id="2" name="1 Subtítulo"/>
+          <p:cNvSpPr>
+            <a:spLocks noGrp="1"/>
+          </p:cNvSpPr>
+          <p:nvPr>
+            <p:ph type="subTitle" idx="1"/>
+          </p:nvPr>
+        </p:nvSpPr>
+        <p:spPr>
+          <a:xfrm>
+            <a:off x="733028" y="201304"/>
+            <a:ext cx="6912768" cy="504056"/>
+          </a:xfrm>
+        </p:spPr>
+        <p:txBody>
+          <a:bodyPr>
+            <a:normAutofit fontScale="77500" lnSpcReduction="20000"/>
+          </a:bodyPr>
+          <a:lstStyle/>
+          <a:p>
+            <a:pPr algn="l"/>
+            <a:r>
+              <a:rPr lang="es-ES" sz="4000" dirty="0">
+                <a:solidFill>
+                  <a:schemeClr val="accent1">
+                    <a:lumMod val="75000"/>
+                  </a:schemeClr>
+                </a:solidFill>
+                <a:latin typeface="+mj-lt"/>
+              </a:rPr>
+              <a:t>R y </a:t>
+            </a:r>
+            <a:r>
+              <a:rPr lang="es-ES" sz="4000" dirty="0" err="1">
+                <a:solidFill>
+                  <a:schemeClr val="accent1">
+                    <a:lumMod val="75000"/>
+                  </a:schemeClr>
+                </a:solidFill>
+                <a:latin typeface="+mj-lt"/>
+              </a:rPr>
+              <a:t>RStudio</a:t>
+            </a:r>
+            <a:endParaRPr lang="es-ES" dirty="0">
+              <a:solidFill>
+                <a:schemeClr val="accent1">
+                  <a:lumMod val="75000"/>
+                </a:schemeClr>
+              </a:solidFill>
+              <a:latin typeface="+mj-lt"/>
+            </a:endParaRPr>
+          </a:p>
+        </p:txBody>
+      </p:sp>
+      <p:sp>
+        <p:nvSpPr>
+          <p:cNvPr id="3" name="2 Rectángulo"/>
+          <p:cNvSpPr/>
+          <p:nvPr/>
+        </p:nvSpPr>
+        <p:spPr>
+          <a:xfrm>
+            <a:off x="899592" y="836712"/>
+            <a:ext cx="7848872" cy="4524315"/>
+          </a:xfrm>
+          <a:prstGeom prst="rect">
+            <a:avLst/>
+          </a:prstGeom>
+        </p:spPr>
+        <p:txBody>
+          <a:bodyPr wrap="square">
+            <a:spAutoFit/>
+          </a:bodyPr>
+          <a:lstStyle/>
+          <a:p>
+            <a:pPr lvl="0" algn="just">
+              <a:spcAft>
+                <a:spcPts val="600"/>
+              </a:spcAft>
+            </a:pPr>
+            <a:r>
+              <a:rPr lang="es-ES_tradnl" sz="2000" dirty="0"/>
+              <a:t>A R no le gustan nada los espacios en blanco en los nombres de los ficheros y mucho menos los acentos o símbolos raros en los directorios. Por ello:</a:t>
+            </a:r>
+          </a:p>
+          <a:p>
+            <a:pPr lvl="0" algn="just">
+              <a:spcAft>
+                <a:spcPts val="600"/>
+              </a:spcAft>
+            </a:pPr>
+            <a:endParaRPr lang="es-ES_tradnl" sz="2000" dirty="0"/>
+          </a:p>
+          <a:p>
+            <a:pPr marL="342900" lvl="0" indent="-342900" algn="just">
+              <a:spcAft>
+                <a:spcPts val="600"/>
+              </a:spcAft>
+              <a:buFont typeface="Arial" panose="020B0604020202020204" pitchFamily="34" charset="0"/>
+              <a:buChar char="•"/>
+            </a:pPr>
+            <a:r>
+              <a:rPr lang="es-ES_tradnl" sz="3200" dirty="0">
+                <a:solidFill>
+                  <a:srgbClr val="FF0000"/>
+                </a:solidFill>
+              </a:rPr>
+              <a:t>Si tu directorio de trabajo por defecto contiene acentos o símbolos raros, crea en el escritorio una carpeta donde trabajar todo el curso con R.</a:t>
+            </a:r>
+          </a:p>
+          <a:p>
+            <a:pPr marL="342900" lvl="0" indent="-342900" algn="just">
+              <a:spcAft>
+                <a:spcPts val="600"/>
+              </a:spcAft>
+              <a:buFont typeface="Arial" panose="020B0604020202020204" pitchFamily="34" charset="0"/>
+              <a:buChar char="•"/>
+            </a:pPr>
+            <a:endParaRPr lang="es-ES_tradnl" sz="2000" dirty="0"/>
+          </a:p>
+          <a:p>
+            <a:pPr marL="342900" lvl="0" indent="-342900" algn="just">
+              <a:spcAft>
+                <a:spcPts val="600"/>
+              </a:spcAft>
+              <a:buFont typeface="Arial" panose="020B0604020202020204" pitchFamily="34" charset="0"/>
+              <a:buChar char="•"/>
+            </a:pPr>
+            <a:r>
+              <a:rPr lang="es-ES_tradnl" sz="2000" dirty="0"/>
+              <a:t>En la medida de lo posible, da nombres a tus ficheros sin dejar espacios en blanco. </a:t>
+            </a:r>
+          </a:p>
+        </p:txBody>
+      </p:sp>
+    </p:spTree>
+    <p:extLst>
+      <p:ext uri="{BB962C8B-B14F-4D97-AF65-F5344CB8AC3E}">
+        <p14:creationId xmlns:p14="http://schemas.microsoft.com/office/powerpoint/2010/main" val="3715803757"/>
+      </p:ext>
+    </p:extLst>
+  </p:cSld>
+  <p:clrMapOvr>
+    <a:masterClrMapping/>
+  </p:clrMapOvr>
+</p:sld>
+</file>
+
 <file path=ppt/slides/slide2.xml><?xml version="1.0" encoding="utf-8"?>
 <p:sld xmlns:a="http://schemas.openxmlformats.org/drawingml/2006/main" xmlns:r="http://schemas.openxmlformats.org/officeDocument/2006/relationships" xmlns:p="http://schemas.openxmlformats.org/presentationml/2006/main">
   <p:cSld>
@@ -5074,7 +5828,7 @@
         <p:spPr>
           <a:xfrm>
             <a:off x="1043608" y="1933089"/>
-            <a:ext cx="7992888" cy="2215991"/>
+            <a:ext cx="7992888" cy="2492990"/>
           </a:xfrm>
           <a:prstGeom prst="rect">
             <a:avLst/>
@@ -5086,75 +5840,77 @@
           </a:bodyPr>
           <a:lstStyle/>
           <a:p>
-            <a:endParaRPr lang="ca-ES" dirty="0"/>
-          </a:p>
-          <a:p>
-            <a:r>
-              <a:rPr lang="ca-ES" sz="2400" dirty="0" err="1"/>
-              <a:t>Despacho</a:t>
-            </a:r>
-            <a:r>
-              <a:rPr lang="ca-ES" sz="2400" dirty="0"/>
-              <a:t>: 3B09</a:t>
-            </a:r>
-          </a:p>
-          <a:p>
-            <a:endParaRPr lang="ca-ES" sz="2400" dirty="0"/>
-          </a:p>
-          <a:p>
-            <a:r>
-              <a:rPr lang="ca-ES" sz="2400" dirty="0" err="1"/>
-              <a:t>Tutorías</a:t>
-            </a:r>
-            <a:r>
-              <a:rPr lang="ca-ES" sz="2400" dirty="0"/>
-              <a:t> 100% </a:t>
-            </a:r>
-            <a:r>
-              <a:rPr lang="ca-ES" sz="2400" i="1" dirty="0"/>
+            <a:endParaRPr lang="es-ES_tradnl" sz="1600" dirty="0"/>
+          </a:p>
+          <a:p>
+            <a:pPr marL="342900" indent="-342900">
+              <a:buFont typeface="Arial" panose="020B0604020202020204" pitchFamily="34" charset="0"/>
+              <a:buChar char="•"/>
+            </a:pPr>
+            <a:r>
+              <a:rPr lang="es-ES_tradnl" sz="2000" dirty="0"/>
+              <a:t>Despacho: 3B09</a:t>
+            </a:r>
+          </a:p>
+          <a:p>
+            <a:pPr marL="342900" indent="-342900">
+              <a:buFont typeface="Arial" panose="020B0604020202020204" pitchFamily="34" charset="0"/>
+              <a:buChar char="•"/>
+            </a:pPr>
+            <a:endParaRPr lang="es-ES_tradnl" sz="2000" dirty="0"/>
+          </a:p>
+          <a:p>
+            <a:pPr marL="342900" indent="-342900">
+              <a:buFont typeface="Arial" panose="020B0604020202020204" pitchFamily="34" charset="0"/>
+              <a:buChar char="•"/>
+            </a:pPr>
+            <a:r>
+              <a:rPr lang="es-ES_tradnl" sz="2000" dirty="0"/>
+              <a:t>Tutorías presenciales martes de 9:00 a 12:00 (solicitar cita previa). </a:t>
+            </a:r>
+          </a:p>
+          <a:p>
+            <a:pPr marL="342900" indent="-342900">
+              <a:buFont typeface="Arial" panose="020B0604020202020204" pitchFamily="34" charset="0"/>
+              <a:buChar char="•"/>
+            </a:pPr>
+            <a:endParaRPr lang="es-ES_tradnl" sz="2000" dirty="0"/>
+          </a:p>
+          <a:p>
+            <a:pPr marL="342900" indent="-342900">
+              <a:buFont typeface="Arial" panose="020B0604020202020204" pitchFamily="34" charset="0"/>
+              <a:buChar char="•"/>
+            </a:pPr>
+            <a:r>
+              <a:rPr lang="es-ES_tradnl" sz="2000" dirty="0"/>
+              <a:t>Tutorías no presenciales: dudas por correo o solicitar cita </a:t>
+            </a:r>
+            <a:r>
+              <a:rPr lang="es-ES_tradnl" sz="2000" i="1" dirty="0"/>
               <a:t>online</a:t>
             </a:r>
           </a:p>
           <a:p>
-            <a:endParaRPr lang="ca-ES" sz="2400" i="1" dirty="0"/>
-          </a:p>
-          <a:p>
-            <a:r>
-              <a:rPr lang="ca-ES" sz="2400" i="1" dirty="0" err="1"/>
-              <a:t>Correo</a:t>
-            </a:r>
-            <a:r>
-              <a:rPr lang="ca-ES" sz="2400" i="1" dirty="0"/>
-              <a:t>-e: </a:t>
-            </a:r>
-            <a:r>
-              <a:rPr lang="ca-ES" sz="2400" i="1" dirty="0" err="1"/>
+            <a:pPr marL="342900" indent="-342900">
+              <a:buFont typeface="Arial" panose="020B0604020202020204" pitchFamily="34" charset="0"/>
+              <a:buChar char="•"/>
+            </a:pPr>
+            <a:endParaRPr lang="es-ES_tradnl" sz="2000" i="1" dirty="0"/>
+          </a:p>
+          <a:p>
+            <a:pPr marL="342900" indent="-342900">
+              <a:buFont typeface="Arial" panose="020B0604020202020204" pitchFamily="34" charset="0"/>
+              <a:buChar char="•"/>
+            </a:pPr>
+            <a:r>
+              <a:rPr lang="es-ES_tradnl" sz="2000" i="1" dirty="0"/>
+              <a:t>Correo-e: </a:t>
+            </a:r>
+            <a:r>
+              <a:rPr lang="es-ES_tradnl" sz="2000" i="1" dirty="0" err="1"/>
               <a:t>ivan.arribas@uv.es</a:t>
             </a:r>
-            <a:endParaRPr lang="ca-ES" sz="2400" i="1" dirty="0"/>
-          </a:p>
-        </p:txBody>
-      </p:sp>
-      <p:sp>
-        <p:nvSpPr>
-          <p:cNvPr id="6" name="5 Marcador de número de diapositiva"/>
-          <p:cNvSpPr>
-            <a:spLocks noGrp="1"/>
-          </p:cNvSpPr>
-          <p:nvPr>
-            <p:ph type="sldNum" sz="quarter" idx="12"/>
-          </p:nvPr>
-        </p:nvSpPr>
-        <p:spPr/>
-        <p:txBody>
-          <a:bodyPr/>
-          <a:lstStyle/>
-          <a:p>
-            <a:fld id="{6561EE18-1C90-4047-9A9F-BA983369B55D}" type="slidenum">
-              <a:rPr lang="es-ES" smtClean="0"/>
-              <a:t>2</a:t>
-            </a:fld>
-            <a:endParaRPr lang="es-ES"/>
+            <a:endParaRPr lang="es-ES_tradnl" sz="2000" i="1" dirty="0"/>
           </a:p>
         </p:txBody>
       </p:sp>
@@ -5252,7 +6008,7 @@
         <p:spPr>
           <a:xfrm>
             <a:off x="899592" y="1052736"/>
-            <a:ext cx="7560840" cy="3939540"/>
+            <a:ext cx="7560840" cy="4632037"/>
           </a:xfrm>
           <a:prstGeom prst="rect">
             <a:avLst/>
@@ -5321,7 +6077,6 @@
               <a:rPr lang="es-ES" sz="2000" dirty="0"/>
               <a:t>de segundo.</a:t>
             </a:r>
-            <a:endParaRPr lang="es-ES_tradnl" sz="2000" dirty="0"/>
           </a:p>
           <a:p>
             <a:pPr marL="285750" indent="-285750" algn="just">
@@ -5333,6 +6088,24 @@
             </a:pPr>
             <a:r>
               <a:rPr lang="es-ES" sz="2000" dirty="0"/>
+              <a:t>Esta asignatura tiene su continuación en el próximo año con </a:t>
+            </a:r>
+            <a:r>
+              <a:rPr lang="es-ES" sz="2000" i="1" dirty="0"/>
+              <a:t>Técnicas Avanzadas de Predicción en Negocios.</a:t>
+            </a:r>
+            <a:endParaRPr lang="es-ES_tradnl" sz="2000" i="1" dirty="0"/>
+          </a:p>
+          <a:p>
+            <a:pPr marL="285750" indent="-285750" algn="just">
+              <a:spcAft>
+                <a:spcPts val="600"/>
+              </a:spcAft>
+              <a:buFont typeface="Arial" pitchFamily="34" charset="0"/>
+              <a:buChar char="•"/>
+            </a:pPr>
+            <a:r>
+              <a:rPr lang="es-ES" sz="2000" dirty="0"/>
               <a:t>Los contenidos de la asignatura se centran en la </a:t>
             </a:r>
             <a:r>
@@ -5371,29 +6144,6 @@
               <a:rPr lang="es-ES" sz="2000" dirty="0"/>
               <a:t>. Estos contenidos se relacionarán con los adquiridos en asignaturas anteriores de programación con R, estadística y predicción. </a:t>
             </a:r>
-          </a:p>
-        </p:txBody>
-      </p:sp>
-      <p:sp>
-        <p:nvSpPr>
-          <p:cNvPr id="8" name="7 Marcador de número de diapositiva"/>
-          <p:cNvSpPr>
-            <a:spLocks noGrp="1"/>
-          </p:cNvSpPr>
-          <p:nvPr>
-            <p:ph type="sldNum" sz="quarter" idx="12"/>
-          </p:nvPr>
-        </p:nvSpPr>
-        <p:spPr/>
-        <p:txBody>
-          <a:bodyPr/>
-          <a:lstStyle/>
-          <a:p>
-            <a:fld id="{6561EE18-1C90-4047-9A9F-BA983369B55D}" type="slidenum">
-              <a:rPr lang="es-ES" smtClean="0"/>
-              <a:t>3</a:t>
-            </a:fld>
-            <a:endParaRPr lang="es-ES"/>
           </a:p>
         </p:txBody>
       </p:sp>
@@ -5427,29 +6177,6 @@
           <a:chExt cx="0" cy="0"/>
         </a:xfrm>
       </p:grpSpPr>
-      <p:sp>
-        <p:nvSpPr>
-          <p:cNvPr id="9" name="8 Marcador de número de diapositiva"/>
-          <p:cNvSpPr>
-            <a:spLocks noGrp="1"/>
-          </p:cNvSpPr>
-          <p:nvPr>
-            <p:ph type="sldNum" sz="quarter" idx="12"/>
-          </p:nvPr>
-        </p:nvSpPr>
-        <p:spPr/>
-        <p:txBody>
-          <a:bodyPr/>
-          <a:lstStyle/>
-          <a:p>
-            <a:fld id="{6561EE18-1C90-4047-9A9F-BA983369B55D}" type="slidenum">
-              <a:rPr lang="es-ES" smtClean="0"/>
-              <a:t>4</a:t>
-            </a:fld>
-            <a:endParaRPr lang="es-ES"/>
-          </a:p>
-        </p:txBody>
-      </p:sp>
       <p:sp>
         <p:nvSpPr>
           <p:cNvPr id="20" name="1 Subtítulo"/>
@@ -6669,7 +7396,7 @@
             <a:pPr marL="315913"/>
             <a:r>
               <a:rPr lang="es-ES" b="1" dirty="0"/>
-              <a:t>2. Series Temporales. Definición y componentes</a:t>
+              <a:t>2. Definición y componentes</a:t>
             </a:r>
           </a:p>
           <a:p>
@@ -6680,7 +7407,7 @@
             <a:pPr marL="315913"/>
             <a:r>
               <a:rPr lang="es-ES" b="1" dirty="0"/>
-              <a:t>3. Métodos sencillos de predicción. Evaluación de predicciones</a:t>
+              <a:t>3. Métodos sencillos de predicción</a:t>
             </a:r>
           </a:p>
           <a:p>
@@ -6702,7 +7429,7 @@
             <a:pPr marL="315913"/>
             <a:r>
               <a:rPr lang="es-ES" b="1" dirty="0"/>
-              <a:t>5. Técnicas de Alisado Exponencial</a:t>
+              <a:t>5. Métodos de Alisado Exponencial</a:t>
             </a:r>
           </a:p>
           <a:p>
@@ -6726,29 +7453,6 @@
               <a:rPr lang="es-ES" b="1" dirty="0"/>
               <a:t>7. Modelos ARIMA con estacionalidad</a:t>
             </a:r>
-          </a:p>
-        </p:txBody>
-      </p:sp>
-      <p:sp>
-        <p:nvSpPr>
-          <p:cNvPr id="7" name="6 Marcador de número de diapositiva"/>
-          <p:cNvSpPr>
-            <a:spLocks noGrp="1"/>
-          </p:cNvSpPr>
-          <p:nvPr>
-            <p:ph type="sldNum" sz="quarter" idx="12"/>
-          </p:nvPr>
-        </p:nvSpPr>
-        <p:spPr/>
-        <p:txBody>
-          <a:bodyPr/>
-          <a:lstStyle/>
-          <a:p>
-            <a:fld id="{6561EE18-1C90-4047-9A9F-BA983369B55D}" type="slidenum">
-              <a:rPr lang="es-ES" smtClean="0"/>
-              <a:t>5</a:t>
-            </a:fld>
-            <a:endParaRPr lang="es-ES"/>
           </a:p>
         </p:txBody>
       </p:sp>
@@ -6829,29 +7533,6 @@
       </p:sp>
       <p:sp>
         <p:nvSpPr>
-          <p:cNvPr id="7" name="6 Marcador de número de diapositiva"/>
-          <p:cNvSpPr>
-            <a:spLocks noGrp="1"/>
-          </p:cNvSpPr>
-          <p:nvPr>
-            <p:ph type="sldNum" sz="quarter" idx="12"/>
-          </p:nvPr>
-        </p:nvSpPr>
-        <p:spPr/>
-        <p:txBody>
-          <a:bodyPr/>
-          <a:lstStyle/>
-          <a:p>
-            <a:fld id="{6561EE18-1C90-4047-9A9F-BA983369B55D}" type="slidenum">
-              <a:rPr lang="es-ES" smtClean="0"/>
-              <a:t>6</a:t>
-            </a:fld>
-            <a:endParaRPr lang="es-ES"/>
-          </a:p>
-        </p:txBody>
-      </p:sp>
-      <p:sp>
-        <p:nvSpPr>
           <p:cNvPr id="8" name="2 Rectángulo">
             <a:extLst>
               <a:ext uri="{FF2B5EF4-FFF2-40B4-BE49-F238E27FC236}">
@@ -6865,7 +7546,7 @@
         <p:spPr>
           <a:xfrm>
             <a:off x="899592" y="1124744"/>
-            <a:ext cx="7848872" cy="4401205"/>
+            <a:ext cx="7848872" cy="2862322"/>
           </a:xfrm>
           <a:prstGeom prst="rect">
             <a:avLst/>
@@ -6887,62 +7568,7 @@
               <a:buFont typeface="Arial" panose="020B0604020202020204" pitchFamily="34" charset="0"/>
               <a:buChar char="•"/>
             </a:pPr>
-            <a:r>
-              <a:rPr lang="es-ES" sz="2000" dirty="0" err="1"/>
-              <a:t>Forecasting</a:t>
-            </a:r>
-            <a:r>
-              <a:rPr lang="es-ES" sz="2000" dirty="0"/>
-              <a:t>: </a:t>
-            </a:r>
-            <a:r>
-              <a:rPr lang="es-ES" sz="2000" dirty="0" err="1"/>
-              <a:t>Principles</a:t>
-            </a:r>
-            <a:r>
-              <a:rPr lang="es-ES" sz="2000" dirty="0"/>
-              <a:t> and </a:t>
-            </a:r>
-            <a:r>
-              <a:rPr lang="es-ES" sz="2000" dirty="0" err="1"/>
-              <a:t>Practice</a:t>
-            </a:r>
-            <a:r>
-              <a:rPr lang="es-ES" sz="2000" dirty="0"/>
-              <a:t> de </a:t>
-            </a:r>
-            <a:r>
-              <a:rPr lang="es-ES" sz="2000" dirty="0" err="1"/>
-              <a:t>Rob</a:t>
-            </a:r>
-            <a:r>
-              <a:rPr lang="es-ES" sz="2000" dirty="0"/>
-              <a:t> J. </a:t>
-            </a:r>
-            <a:r>
-              <a:rPr lang="es-ES" sz="2000" dirty="0" err="1"/>
-              <a:t>Hyndman</a:t>
-            </a:r>
-            <a:r>
-              <a:rPr lang="es-ES" sz="2000" dirty="0"/>
-              <a:t> y George </a:t>
-            </a:r>
-            <a:r>
-              <a:rPr lang="es-ES" sz="2000" dirty="0" err="1"/>
-              <a:t>Athanasopoulos</a:t>
-            </a:r>
-            <a:r>
-              <a:rPr lang="es-ES" sz="2000" dirty="0"/>
-              <a:t>: https://</a:t>
-            </a:r>
-            <a:r>
-              <a:rPr lang="es-ES" sz="2000" dirty="0" err="1"/>
-              <a:t>otexts.com</a:t>
-            </a:r>
-            <a:r>
-              <a:rPr lang="es-ES" sz="2000" dirty="0"/>
-              <a:t>/fpp2/</a:t>
-            </a:r>
+            <a:endParaRPr lang="es-ES" sz="2000" dirty="0"/>
           </a:p>
           <a:p>
             <a:pPr marL="285750" indent="-285750">
@@ -6951,55 +7577,47 @@
             </a:pPr>
             <a:r>
               <a:rPr lang="es-ES" sz="2000" dirty="0" err="1"/>
-              <a:t>An</a:t>
+              <a:t>Hyndman</a:t>
             </a:r>
             <a:r>
               <a:rPr lang="es-ES" sz="2000" dirty="0"/>
-              <a:t> </a:t>
+              <a:t>, R.J., y </a:t>
             </a:r>
             <a:r>
               <a:rPr lang="es-ES" sz="2000" dirty="0" err="1"/>
-              <a:t>Introduction</a:t>
+              <a:t>Athanasopoulos</a:t>
             </a:r>
             <a:r>
               <a:rPr lang="es-ES" sz="2000" dirty="0"/>
-              <a:t> to </a:t>
+              <a:t>, G. (2021) </a:t>
             </a:r>
             <a:r>
               <a:rPr lang="es-ES" sz="2000" dirty="0" err="1"/>
-              <a:t>Statistical</a:t>
+              <a:t>Forecasting</a:t>
             </a:r>
             <a:r>
               <a:rPr lang="es-ES" sz="2000" dirty="0"/>
-              <a:t> </a:t>
+              <a:t>: </a:t>
             </a:r>
             <a:r>
               <a:rPr lang="es-ES" sz="2000" dirty="0" err="1"/>
-              <a:t>Learning</a:t>
+              <a:t>principles</a:t>
             </a:r>
             <a:r>
               <a:rPr lang="es-ES" sz="2000" dirty="0"/>
-              <a:t> </a:t>
+              <a:t> and </a:t>
             </a:r>
             <a:r>
               <a:rPr lang="es-ES" sz="2000" dirty="0" err="1"/>
-              <a:t>with</a:t>
+              <a:t>practice</a:t>
             </a:r>
             <a:r>
               <a:rPr lang="es-ES" sz="2000" dirty="0"/>
-              <a:t> </a:t>
+              <a:t>, 3rd </a:t>
             </a:r>
             <a:r>
               <a:rPr lang="es-ES" sz="2000" dirty="0" err="1"/>
-              <a:t>Applications</a:t>
-            </a:r>
-            <a:r>
-              <a:rPr lang="es-ES" sz="2000" dirty="0"/>
-              <a:t> in R de </a:t>
-            </a:r>
-            <a:r>
-              <a:rPr lang="es-ES" sz="2000" dirty="0" err="1"/>
-              <a:t>Gareth</a:t>
+              <a:t>edition</a:t>
             </a:r>
             <a:r>
               <a:rPr lang="es-ES" sz="2000" dirty="0"/>
@@ -7007,47 +7625,19 @@
             </a:r>
             <a:r>
               <a:rPr lang="es-ES" sz="2000" dirty="0" err="1"/>
-              <a:t>Witten</a:t>
+              <a:t>OTexts</a:t>
             </a:r>
             <a:r>
               <a:rPr lang="es-ES" sz="2000" dirty="0"/>
-              <a:t>, </a:t>
+              <a:t>: Melbourne, Australia. </a:t>
             </a:r>
             <a:r>
               <a:rPr lang="es-ES" sz="2000" dirty="0" err="1"/>
-              <a:t>Hastie</a:t>
+              <a:t>OTexts.com</a:t>
             </a:r>
             <a:r>
               <a:rPr lang="es-ES" sz="2000" dirty="0"/>
-              <a:t> y </a:t>
-            </a:r>
-            <a:r>
-              <a:rPr lang="es-ES" sz="2000" dirty="0" err="1"/>
-              <a:t>Tibshirani</a:t>
-            </a:r>
-            <a:r>
-              <a:rPr lang="es-ES" sz="2000" dirty="0"/>
-              <a:t>. </a:t>
-            </a:r>
-            <a:r>
-              <a:rPr lang="es-ES" sz="2000" dirty="0" err="1"/>
-              <a:t>Springer</a:t>
-            </a:r>
-            <a:r>
-              <a:rPr lang="es-ES" sz="2000" dirty="0"/>
-              <a:t> New York 2013</a:t>
-            </a:r>
-          </a:p>
-          <a:p>
-            <a:endParaRPr lang="es-ES" sz="2000" dirty="0"/>
-          </a:p>
-          <a:p>
-            <a:endParaRPr lang="es-ES" sz="2000" dirty="0"/>
-          </a:p>
-          <a:p>
-            <a:r>
-              <a:rPr lang="es-ES" sz="2000" dirty="0"/>
-              <a:t>Libros de R y Series Temporales:</a:t>
+              <a:t>/fpp3</a:t>
             </a:r>
           </a:p>
           <a:p>
@@ -7055,54 +7645,7 @@
               <a:buFont typeface="Arial" panose="020B0604020202020204" pitchFamily="34" charset="0"/>
               <a:buChar char="•"/>
             </a:pPr>
-            <a:r>
-              <a:rPr lang="es-ES" sz="2000" dirty="0" err="1"/>
-              <a:t>Cowpertwait</a:t>
-            </a:r>
-            <a:r>
-              <a:rPr lang="es-ES" sz="2000" dirty="0"/>
-              <a:t>, P. S. P. y </a:t>
-            </a:r>
-            <a:r>
-              <a:rPr lang="es-ES" sz="2000" dirty="0" err="1"/>
-              <a:t>Metcalfe</a:t>
-            </a:r>
-            <a:r>
-              <a:rPr lang="es-ES" sz="2000" dirty="0"/>
-              <a:t>, A. V. (2009) </a:t>
-            </a:r>
-            <a:r>
-              <a:rPr lang="es-ES" sz="2000" dirty="0" err="1"/>
-              <a:t>Introductory</a:t>
-            </a:r>
-            <a:r>
-              <a:rPr lang="es-ES" sz="2000" dirty="0"/>
-              <a:t> Time Series </a:t>
-            </a:r>
-            <a:r>
-              <a:rPr lang="es-ES" sz="2000" dirty="0" err="1"/>
-              <a:t>with</a:t>
-            </a:r>
-            <a:r>
-              <a:rPr lang="es-ES" sz="2000" dirty="0"/>
-              <a:t> R. </a:t>
-            </a:r>
-            <a:r>
-              <a:rPr lang="es-ES" sz="2000" dirty="0" err="1"/>
-              <a:t>Springer</a:t>
-            </a:r>
-            <a:r>
-              <a:rPr lang="es-ES" sz="2000" dirty="0"/>
-              <a:t> (</a:t>
-            </a:r>
-            <a:r>
-              <a:rPr lang="es-ES" sz="2000" dirty="0" err="1"/>
-              <a:t>Collection</a:t>
-            </a:r>
-            <a:r>
-              <a:rPr lang="es-ES" sz="2000" dirty="0"/>
-              <a:t> Use R!)</a:t>
-            </a:r>
+            <a:endParaRPr lang="es-ES" sz="2000" dirty="0"/>
           </a:p>
           <a:p>
             <a:pPr marL="285750" indent="-285750">
@@ -7111,35 +7654,35 @@
             </a:pPr>
             <a:r>
               <a:rPr lang="es-ES" sz="2000" dirty="0" err="1"/>
-              <a:t>Pfaff</a:t>
+              <a:t>An</a:t>
             </a:r>
             <a:r>
               <a:rPr lang="es-ES" sz="2000" dirty="0"/>
-              <a:t>, B. (2008) </a:t>
+              <a:t> </a:t>
             </a:r>
             <a:r>
               <a:rPr lang="es-ES" sz="2000" dirty="0" err="1"/>
-              <a:t>Analysis</a:t>
+              <a:t>Introduction</a:t>
             </a:r>
             <a:r>
               <a:rPr lang="es-ES" sz="2000" dirty="0"/>
-              <a:t> of </a:t>
+              <a:t> to </a:t>
             </a:r>
             <a:r>
               <a:rPr lang="es-ES" sz="2000" dirty="0" err="1"/>
-              <a:t>Integrated</a:t>
+              <a:t>Statistical</a:t>
             </a:r>
             <a:r>
               <a:rPr lang="es-ES" sz="2000" dirty="0"/>
-              <a:t> and </a:t>
+              <a:t> </a:t>
             </a:r>
             <a:r>
               <a:rPr lang="es-ES" sz="2000" dirty="0" err="1"/>
-              <a:t>Cointegrated</a:t>
+              <a:t>Learning</a:t>
             </a:r>
             <a:r>
               <a:rPr lang="es-ES" sz="2000" dirty="0"/>
-              <a:t> Time Series </a:t>
+              <a:t> </a:t>
             </a:r>
             <a:r>
               <a:rPr lang="es-ES" sz="2000" dirty="0" err="1"/>
@@ -7147,7 +7690,47 @@
             </a:r>
             <a:r>
               <a:rPr lang="es-ES" sz="2000" dirty="0"/>
-              <a:t> R. </a:t>
+              <a:t> </a:t>
+            </a:r>
+            <a:r>
+              <a:rPr lang="es-ES" sz="2000" dirty="0" err="1"/>
+              <a:t>Applications</a:t>
+            </a:r>
+            <a:r>
+              <a:rPr lang="es-ES" sz="2000" dirty="0"/>
+              <a:t> in R de </a:t>
+            </a:r>
+            <a:r>
+              <a:rPr lang="es-ES" sz="2000" dirty="0" err="1"/>
+              <a:t>Gareth</a:t>
+            </a:r>
+            <a:r>
+              <a:rPr lang="es-ES" sz="2000" dirty="0"/>
+              <a:t>, </a:t>
+            </a:r>
+            <a:r>
+              <a:rPr lang="es-ES" sz="2000" dirty="0" err="1"/>
+              <a:t>Witten</a:t>
+            </a:r>
+            <a:r>
+              <a:rPr lang="es-ES" sz="2000" dirty="0"/>
+              <a:t>, </a:t>
+            </a:r>
+            <a:r>
+              <a:rPr lang="es-ES" sz="2000" dirty="0" err="1"/>
+              <a:t>Hastie</a:t>
+            </a:r>
+            <a:r>
+              <a:rPr lang="es-ES" sz="2000" dirty="0"/>
+              <a:t> y </a:t>
+            </a:r>
+            <a:r>
+              <a:rPr lang="es-ES" sz="2000" dirty="0" err="1"/>
+              <a:t>Tibshirani</a:t>
+            </a:r>
+            <a:r>
+              <a:rPr lang="es-ES" sz="2000" dirty="0"/>
+              <a:t>. </a:t>
             </a:r>
             <a:r>
               <a:rPr lang="es-ES" sz="2000" dirty="0" err="1"/>
@@ -7155,66 +7738,13 @@
             </a:r>
             <a:r>
               <a:rPr lang="es-ES" sz="2000" dirty="0"/>
-              <a:t> (</a:t>
-            </a:r>
-            <a:r>
-              <a:rPr lang="es-ES" sz="2000" dirty="0" err="1"/>
-              <a:t>Collection</a:t>
-            </a:r>
-            <a:r>
-              <a:rPr lang="es-ES" sz="2000" dirty="0"/>
-              <a:t> Use R!)</a:t>
-            </a:r>
-          </a:p>
-          <a:p>
-            <a:pPr marL="285750" indent="-285750">
-              <a:buFont typeface="Arial" panose="020B0604020202020204" pitchFamily="34" charset="0"/>
-              <a:buChar char="•"/>
-            </a:pPr>
-            <a:r>
-              <a:rPr lang="es-ES" sz="2000" dirty="0" err="1"/>
-              <a:t>Cryer</a:t>
-            </a:r>
-            <a:r>
-              <a:rPr lang="es-ES" sz="2000" dirty="0"/>
-              <a:t>, J. D., Chan, Kung-</a:t>
-            </a:r>
-            <a:r>
-              <a:rPr lang="es-ES" sz="2000" dirty="0" err="1"/>
-              <a:t>Sik</a:t>
-            </a:r>
-            <a:r>
-              <a:rPr lang="es-ES" sz="2000" dirty="0"/>
-              <a:t>. (2008) Time Series </a:t>
-            </a:r>
-            <a:r>
-              <a:rPr lang="es-ES" sz="2000" dirty="0" err="1"/>
-              <a:t>Analysis</a:t>
-            </a:r>
-            <a:r>
-              <a:rPr lang="es-ES" sz="2000" dirty="0"/>
-              <a:t>. </a:t>
-            </a:r>
-            <a:r>
-              <a:rPr lang="es-ES" sz="2000" dirty="0" err="1"/>
-              <a:t>With</a:t>
-            </a:r>
-            <a:r>
-              <a:rPr lang="es-ES" sz="2000" dirty="0"/>
-              <a:t> </a:t>
-            </a:r>
-            <a:r>
-              <a:rPr lang="es-ES" sz="2000" dirty="0" err="1"/>
-              <a:t>Applications</a:t>
-            </a:r>
-            <a:r>
-              <a:rPr lang="es-ES" sz="2000" dirty="0"/>
-              <a:t> in R. </a:t>
-            </a:r>
-            <a:r>
-              <a:rPr lang="es-ES" sz="2000" dirty="0" err="1"/>
-              <a:t>Springe</a:t>
-            </a:r>
+              <a:t> New York 2017</a:t>
+            </a:r>
+          </a:p>
+          <a:p>
+            <a:endParaRPr lang="es-ES" sz="2000" dirty="0"/>
+          </a:p>
+          <a:p>
             <a:endParaRPr lang="es-ES" sz="2000" dirty="0"/>
           </a:p>
         </p:txBody>
@@ -7317,7 +7847,7 @@
           <a:p>
             <a:r>
               <a:rPr lang="es-ES" sz="2000" dirty="0"/>
-              <a:t>El desarrollo de la asignatura se estructura fundamentalmente en torno a las sesiones teóricas y prácticas diferenciadas, siendo las teóricas de 1 hora a la semana (25%) y las prácticas de 3 horas a la semana (75%). La metodología, por tanto, enfatiza los aspectos más prácticos y computacionales de la asignatura.</a:t>
+              <a:t>El desarrollo de la asignatura se estructura fundamentalmente en torno a las sesiones teóricas y prácticas muy poco a nada diferenciadas, siendo las teóricas de 1 hora a la semana (25%) y las prácticas de 3 horas a la semana (75%). La metodología, por tanto, enfatiza los aspectos más prácticos y computacionales de la asignatura.</a:t>
             </a:r>
           </a:p>
           <a:p>
@@ -7334,7 +7864,7 @@
             </a:r>
             <a:r>
               <a:rPr lang="es-ES" sz="2000" dirty="0"/>
-              <a:t>: se plantearán los conceptos nucleares de cada tema, de forma precisa y rigurosa, en lenguaje natural, gráfico y formal.</a:t>
+              <a:t>: se plantearán conceptos nucleares de cada tema, de forma precisa y rigurosa, en lenguaje natural, gráfico y formal.</a:t>
             </a:r>
           </a:p>
           <a:p>
@@ -7348,7 +7878,7 @@
             </a:r>
             <a:r>
               <a:rPr lang="es-ES" sz="2000" dirty="0"/>
-              <a:t>: a partir del código R y de los ficheros de datos se proporcionarán se practicarán los conceptos teóricos vistos y se aprenderá el manejo de R para el análisis de series temporales.</a:t>
+              <a:t>: se verán conceptos teóricos y a partir del código R y de ficheros de datos se practicarán los conceptos vistos y se aprenderá el manejo de R para el análisis de series temporales.</a:t>
             </a:r>
           </a:p>
           <a:p>
@@ -7357,7 +7887,15 @@
           <a:p>
             <a:r>
               <a:rPr lang="es-ES" sz="2000" dirty="0"/>
-              <a:t>Resulta aconsejable que os traigáis vuestro ordenador para trabajar tanto en las clases de teoría como de prácticas.</a:t>
+              <a:t>Resulta imprescindible que os </a:t>
+            </a:r>
+            <a:r>
+              <a:rPr lang="es-ES" sz="2000" b="1" dirty="0"/>
+              <a:t>traigáis vuestro ordenador </a:t>
+            </a:r>
+            <a:r>
+              <a:rPr lang="es-ES" sz="2000" dirty="0"/>
+              <a:t>para trabajar ,al menos en las clases de prácticas.</a:t>
             </a:r>
           </a:p>
           <a:p>
@@ -7366,29 +7904,6 @@
               <a:buChar char="•"/>
             </a:pPr>
             <a:endParaRPr lang="es-ES_tradnl" sz="2000" b="1" dirty="0"/>
-          </a:p>
-        </p:txBody>
-      </p:sp>
-      <p:sp>
-        <p:nvSpPr>
-          <p:cNvPr id="7" name="6 Marcador de número de diapositiva"/>
-          <p:cNvSpPr>
-            <a:spLocks noGrp="1"/>
-          </p:cNvSpPr>
-          <p:nvPr>
-            <p:ph type="sldNum" sz="quarter" idx="12"/>
-          </p:nvPr>
-        </p:nvSpPr>
-        <p:spPr/>
-        <p:txBody>
-          <a:bodyPr/>
-          <a:lstStyle/>
-          <a:p>
-            <a:fld id="{6561EE18-1C90-4047-9A9F-BA983369B55D}" type="slidenum">
-              <a:rPr lang="es-ES" smtClean="0"/>
-              <a:t>7</a:t>
-            </a:fld>
-            <a:endParaRPr lang="es-ES"/>
           </a:p>
         </p:txBody>
       </p:sp>
@@ -7454,18 +7969,7 @@
                 </a:solidFill>
                 <a:latin typeface="+mj-lt"/>
               </a:rPr>
-              <a:t>R y </a:t>
-            </a:r>
-            <a:r>
-              <a:rPr lang="es-ES" sz="4000" dirty="0" err="1">
-                <a:solidFill>
-                  <a:schemeClr val="accent1">
-                    <a:lumMod val="75000"/>
-                  </a:schemeClr>
-                </a:solidFill>
-                <a:latin typeface="+mj-lt"/>
-              </a:rPr>
-              <a:t>RStudio</a:t>
+              <a:t>Evaluación</a:t>
             </a:r>
             <a:endParaRPr lang="es-ES" dirty="0">
               <a:solidFill>
@@ -7486,8 +7990,8 @@
         </p:nvSpPr>
         <p:spPr>
           <a:xfrm>
-            <a:off x="899592" y="1124744"/>
-            <a:ext cx="7848872" cy="4909036"/>
+            <a:off x="899592" y="1147965"/>
+            <a:ext cx="7848872" cy="5324535"/>
           </a:xfrm>
           <a:prstGeom prst="rect">
             <a:avLst/>
@@ -7499,228 +8003,116 @@
           </a:bodyPr>
           <a:lstStyle/>
           <a:p>
-            <a:pPr lvl="0" algn="just">
-              <a:spcAft>
-                <a:spcPts val="600"/>
-              </a:spcAft>
-            </a:pPr>
-            <a:r>
-              <a:rPr lang="es-ES_tradnl" sz="2800" b="1" dirty="0"/>
-              <a:t>R</a:t>
-            </a:r>
-            <a:endParaRPr lang="es-ES_tradnl" sz="2000" b="1" dirty="0"/>
-          </a:p>
-          <a:p>
-            <a:pPr marL="342900" lvl="0" indent="-342900" algn="just">
-              <a:spcAft>
-                <a:spcPts val="600"/>
-              </a:spcAft>
+            <a:r>
+              <a:rPr lang="es-ES" sz="2000" b="1" dirty="0"/>
+              <a:t>La evaluación continua supondrá un 100% </a:t>
+            </a:r>
+            <a:r>
+              <a:rPr lang="es-ES" sz="2000" dirty="0"/>
+              <a:t>de la nota de la asignatura y se compondrá de varios tipos de actividades:</a:t>
+            </a:r>
+          </a:p>
+          <a:p>
+            <a:pPr marL="285750" indent="-285750">
               <a:buFont typeface="Arial" panose="020B0604020202020204" pitchFamily="34" charset="0"/>
               <a:buChar char="•"/>
             </a:pPr>
-            <a:r>
-              <a:rPr lang="es-ES_tradnl" sz="2000" b="1" dirty="0"/>
-              <a:t>El programa estadístico que usaremos durante el curso se llama R</a:t>
-            </a:r>
-          </a:p>
-          <a:p>
-            <a:pPr marL="800100" lvl="1" indent="-342900" algn="just">
-              <a:spcAft>
-                <a:spcPts val="600"/>
-              </a:spcAft>
-              <a:buFont typeface="Courier New" panose="02070309020205020404" pitchFamily="49" charset="0"/>
-              <a:buChar char="o"/>
-            </a:pPr>
-            <a:r>
-              <a:rPr lang="es-ES_tradnl" dirty="0"/>
-              <a:t>La página principal es </a:t>
-            </a:r>
-            <a:r>
-              <a:rPr lang="es-ES_tradnl" dirty="0">
-                <a:hlinkClick r:id="rId2"/>
-              </a:rPr>
-              <a:t>https://www.r-project.org</a:t>
-            </a:r>
-            <a:endParaRPr lang="es-ES_tradnl" dirty="0"/>
-          </a:p>
-          <a:p>
-            <a:pPr marL="800100" lvl="1" indent="-342900" algn="just">
-              <a:spcAft>
-                <a:spcPts val="600"/>
-              </a:spcAft>
-              <a:buFont typeface="Courier New" panose="02070309020205020404" pitchFamily="49" charset="0"/>
-              <a:buChar char="o"/>
-            </a:pPr>
-            <a:r>
-              <a:rPr lang="es-ES_tradnl" dirty="0"/>
-              <a:t>Lo puedes descargar desde </a:t>
-            </a:r>
-            <a:r>
-              <a:rPr lang="es-ES_tradnl" dirty="0">
-                <a:hlinkClick r:id="rId3"/>
-              </a:rPr>
-              <a:t>https://cloud.r-project.org</a:t>
-            </a:r>
-            <a:endParaRPr lang="es-ES_tradnl" sz="2000" dirty="0"/>
-          </a:p>
-          <a:p>
-            <a:pPr marL="1257300" lvl="2" indent="-342900" algn="just">
-              <a:spcAft>
-                <a:spcPts val="600"/>
-              </a:spcAft>
-              <a:buFont typeface="Wingdings" pitchFamily="2" charset="2"/>
-              <a:buChar char="§"/>
-            </a:pPr>
-            <a:r>
-              <a:rPr lang="es-ES_tradnl" sz="1600" dirty="0"/>
-              <a:t>Lee con detalle las instrucciones y elige la versión más reciente</a:t>
-            </a:r>
-          </a:p>
-          <a:p>
-            <a:pPr marL="800100" lvl="1" indent="-342900" algn="just">
-              <a:spcAft>
-                <a:spcPts val="600"/>
-              </a:spcAft>
-              <a:buFont typeface="Courier New" panose="02070309020205020404" pitchFamily="49" charset="0"/>
-              <a:buChar char="o"/>
-            </a:pPr>
-            <a:r>
-              <a:rPr lang="es-ES_tradnl" dirty="0"/>
-              <a:t>Tienes manuales online en </a:t>
-            </a:r>
-            <a:r>
-              <a:rPr lang="es-ES_tradnl" dirty="0">
-                <a:hlinkClick r:id="rId4"/>
-              </a:rPr>
-              <a:t>https://cran.r-project.org/manuals.html</a:t>
-            </a:r>
-            <a:endParaRPr lang="es-ES_tradnl" dirty="0"/>
-          </a:p>
-          <a:p>
-            <a:pPr marL="800100" lvl="1" indent="-342900" algn="just">
-              <a:spcAft>
-                <a:spcPts val="600"/>
-              </a:spcAft>
-              <a:buFont typeface="Courier New" panose="02070309020205020404" pitchFamily="49" charset="0"/>
-              <a:buChar char="o"/>
-            </a:pPr>
-            <a:endParaRPr lang="es-ES_tradnl" sz="2000" dirty="0"/>
-          </a:p>
-          <a:p>
-            <a:pPr lvl="0" algn="just">
-              <a:spcAft>
-                <a:spcPts val="600"/>
-              </a:spcAft>
-            </a:pPr>
-            <a:r>
-              <a:rPr lang="es-ES_tradnl" sz="2800" b="1" dirty="0" err="1"/>
-              <a:t>RStudio</a:t>
-            </a:r>
-            <a:endParaRPr lang="es-ES_tradnl" sz="2000" b="1" dirty="0"/>
-          </a:p>
-          <a:p>
-            <a:pPr marL="342900" lvl="0" indent="-342900" algn="just">
-              <a:spcAft>
-                <a:spcPts val="600"/>
-              </a:spcAft>
+            <a:endParaRPr lang="es-ES" sz="2000" dirty="0"/>
+          </a:p>
+          <a:p>
+            <a:pPr marL="285750" indent="-285750">
               <a:buFont typeface="Arial" panose="020B0604020202020204" pitchFamily="34" charset="0"/>
               <a:buChar char="•"/>
             </a:pPr>
             <a:r>
-              <a:rPr lang="es-ES_tradnl" sz="2000" b="1" dirty="0"/>
-              <a:t>Permite usar R de forma más cómoda y amigable. Debes instalarlo después de instalar R</a:t>
-            </a:r>
-          </a:p>
-          <a:p>
-            <a:pPr marL="800100" lvl="1" indent="-342900" algn="just">
-              <a:spcAft>
-                <a:spcPts val="600"/>
-              </a:spcAft>
-              <a:buFont typeface="Courier New" panose="02070309020205020404" pitchFamily="49" charset="0"/>
-              <a:buChar char="o"/>
+              <a:rPr lang="es-ES" sz="2000" dirty="0"/>
+              <a:t>Tras cada una de las unidades temáticas se realizará una </a:t>
+            </a:r>
+            <a:r>
+              <a:rPr lang="es-ES" sz="2000" b="1" dirty="0"/>
+              <a:t>prueba tipo test</a:t>
+            </a:r>
+            <a:r>
+              <a:rPr lang="es-ES" sz="2000" dirty="0"/>
+              <a:t>. La prueba contendrá preguntas de respuesta múltiple, numérica, verdadero/falso, etc. Dispondréis de dos o tres días para realizar estas pruebas. (30%)</a:t>
+            </a:r>
+          </a:p>
+          <a:p>
+            <a:pPr marL="285750" indent="-285750">
+              <a:buFont typeface="Arial" panose="020B0604020202020204" pitchFamily="34" charset="0"/>
+              <a:buChar char="•"/>
             </a:pPr>
-            <a:r>
-              <a:rPr lang="es-ES_tradnl" dirty="0"/>
-              <a:t>La página principal es </a:t>
-            </a:r>
-            <a:r>
-              <a:rPr lang="es-ES_tradnl" dirty="0">
-                <a:hlinkClick r:id="rId5"/>
-              </a:rPr>
-              <a:t>https://rstudio.com</a:t>
-            </a:r>
-            <a:endParaRPr lang="es-ES_tradnl" dirty="0"/>
-          </a:p>
-          <a:p>
-            <a:pPr marL="800100" lvl="1" indent="-342900" algn="just">
-              <a:spcAft>
-                <a:spcPts val="600"/>
-              </a:spcAft>
-              <a:buFont typeface="Courier New" panose="02070309020205020404" pitchFamily="49" charset="0"/>
-              <a:buChar char="o"/>
+            <a:endParaRPr lang="es-ES" sz="2000" dirty="0"/>
+          </a:p>
+          <a:p>
+            <a:pPr marL="285750" indent="-285750">
+              <a:buFont typeface="Arial" panose="020B0604020202020204" pitchFamily="34" charset="0"/>
+              <a:buChar char="•"/>
             </a:pPr>
             <a:r>
-              <a:rPr lang="es-ES_tradnl" dirty="0"/>
-              <a:t>Descargar desde </a:t>
-            </a:r>
-            <a:r>
-              <a:rPr lang="es-ES_tradnl" dirty="0">
-                <a:hlinkClick r:id="rId6"/>
-              </a:rPr>
-              <a:t>https://rstudio.com/products/rstudio/download/</a:t>
-            </a:r>
-            <a:endParaRPr lang="es-ES_tradnl" sz="2000" dirty="0"/>
-          </a:p>
-          <a:p>
-            <a:pPr marL="1257300" lvl="2" indent="-342900" algn="just">
-              <a:spcAft>
-                <a:spcPts val="600"/>
-              </a:spcAft>
-              <a:buFont typeface="Wingdings" pitchFamily="2" charset="2"/>
-              <a:buChar char="§"/>
+              <a:rPr lang="es-ES" sz="2000" dirty="0"/>
+              <a:t>Eventualmente se realizarán </a:t>
+            </a:r>
+            <a:r>
+              <a:rPr lang="es-ES" sz="2000" b="1" dirty="0"/>
+              <a:t>breves controles </a:t>
+            </a:r>
+            <a:r>
+              <a:rPr lang="es-ES" sz="2000" dirty="0"/>
+              <a:t>en clase a través de pruebas tipo test. (20%)</a:t>
+            </a:r>
+          </a:p>
+          <a:p>
+            <a:pPr marL="285750" indent="-285750">
+              <a:buFont typeface="Arial" panose="020B0604020202020204" pitchFamily="34" charset="0"/>
+              <a:buChar char="•"/>
             </a:pPr>
-            <a:r>
-              <a:rPr lang="es-ES_tradnl" sz="1600" dirty="0"/>
-              <a:t>Versión </a:t>
-            </a:r>
-            <a:r>
-              <a:rPr lang="es-ES_tradnl" sz="1600" dirty="0" err="1"/>
-              <a:t>RStudio</a:t>
-            </a:r>
-            <a:r>
-              <a:rPr lang="es-ES_tradnl" sz="1600" dirty="0"/>
-              <a:t> Desktop “Free”</a:t>
-            </a:r>
-          </a:p>
-        </p:txBody>
-      </p:sp>
-      <p:sp>
-        <p:nvSpPr>
-          <p:cNvPr id="7" name="6 Marcador de número de diapositiva"/>
-          <p:cNvSpPr>
-            <a:spLocks noGrp="1"/>
-          </p:cNvSpPr>
-          <p:nvPr>
-            <p:ph type="sldNum" sz="quarter" idx="12"/>
-          </p:nvPr>
-        </p:nvSpPr>
-        <p:spPr/>
-        <p:txBody>
-          <a:bodyPr/>
-          <a:lstStyle/>
-          <a:p>
-            <a:fld id="{6561EE18-1C90-4047-9A9F-BA983369B55D}" type="slidenum">
-              <a:rPr lang="es-ES" smtClean="0"/>
-              <a:t>8</a:t>
-            </a:fld>
-            <a:endParaRPr lang="es-ES"/>
+            <a:endParaRPr lang="es-ES" sz="2000" dirty="0"/>
+          </a:p>
+          <a:p>
+            <a:pPr marL="285750" indent="-285750">
+              <a:buFont typeface="Arial" panose="020B0604020202020204" pitchFamily="34" charset="0"/>
+              <a:buChar char="•"/>
+            </a:pPr>
+            <a:r>
+              <a:rPr lang="es-ES" sz="2000" dirty="0"/>
+              <a:t>Realizaréis </a:t>
+            </a:r>
+            <a:r>
+              <a:rPr lang="es-ES" sz="2000" b="1" dirty="0"/>
+              <a:t>dos trabajos prácticos </a:t>
+            </a:r>
+            <a:r>
+              <a:rPr lang="es-ES" sz="2000" dirty="0"/>
+              <a:t>extensos que cubrirán todos los conceptos vistos en clase. (50%)</a:t>
+            </a:r>
+          </a:p>
+          <a:p>
+            <a:pPr marL="285750" indent="-285750">
+              <a:buFont typeface="Arial" panose="020B0604020202020204" pitchFamily="34" charset="0"/>
+              <a:buChar char="•"/>
+            </a:pPr>
+            <a:endParaRPr lang="es-ES" sz="2000" dirty="0"/>
+          </a:p>
+          <a:p>
+            <a:r>
+              <a:rPr lang="es-ES" sz="2000" dirty="0"/>
+              <a:t>Las pruebas tipo test y los trabajos son recuperables. Los controles no lo serán. </a:t>
+            </a:r>
+          </a:p>
+          <a:p>
+            <a:pPr marL="285750" indent="-285750">
+              <a:buFont typeface="Arial" panose="020B0604020202020204" pitchFamily="34" charset="0"/>
+              <a:buChar char="•"/>
+            </a:pPr>
+            <a:endParaRPr lang="es-ES" sz="2000" dirty="0"/>
           </a:p>
         </p:txBody>
       </p:sp>
     </p:spTree>
     <p:extLst>
       <p:ext uri="{BB962C8B-B14F-4D97-AF65-F5344CB8AC3E}">
-        <p14:creationId xmlns:p14="http://schemas.microsoft.com/office/powerpoint/2010/main" val="3178911644"/>
+        <p14:creationId xmlns:p14="http://schemas.microsoft.com/office/powerpoint/2010/main" val="186384705"/>
       </p:ext>
     </p:extLst>
   </p:cSld>
@@ -7779,7 +8171,18 @@
                 </a:solidFill>
                 <a:latin typeface="+mj-lt"/>
               </a:rPr>
-              <a:t>Evaluación</a:t>
+              <a:t>R y </a:t>
+            </a:r>
+            <a:r>
+              <a:rPr lang="es-ES" sz="4000" dirty="0" err="1">
+                <a:solidFill>
+                  <a:schemeClr val="accent1">
+                    <a:lumMod val="75000"/>
+                  </a:schemeClr>
+                </a:solidFill>
+                <a:latin typeface="+mj-lt"/>
+              </a:rPr>
+              <a:t>RStudio</a:t>
             </a:r>
             <a:endParaRPr lang="es-ES" dirty="0">
               <a:solidFill>
@@ -7800,8 +8203,8 @@
         </p:nvSpPr>
         <p:spPr>
           <a:xfrm>
-            <a:off x="899592" y="1147965"/>
-            <a:ext cx="7848872" cy="4093428"/>
+            <a:off x="899592" y="1124744"/>
+            <a:ext cx="7848872" cy="4909036"/>
           </a:xfrm>
           <a:prstGeom prst="rect">
             <a:avLst/>
@@ -7813,122 +8216,205 @@
           </a:bodyPr>
           <a:lstStyle/>
           <a:p>
-            <a:r>
-              <a:rPr lang="es-ES" sz="2000" b="1" dirty="0"/>
-              <a:t>La evaluación continua supondrá un 60% </a:t>
-            </a:r>
-            <a:r>
-              <a:rPr lang="es-ES" sz="2000" dirty="0"/>
-              <a:t>de la nota de la asignatura y se compondrá de dos tipos de actividades:</a:t>
-            </a:r>
-          </a:p>
-          <a:p>
-            <a:pPr marL="285750" indent="-285750">
+            <a:pPr lvl="0" algn="just">
+              <a:spcAft>
+                <a:spcPts val="600"/>
+              </a:spcAft>
+            </a:pPr>
+            <a:r>
+              <a:rPr lang="es-ES_tradnl" sz="2800" b="1" dirty="0"/>
+              <a:t>R</a:t>
+            </a:r>
+            <a:endParaRPr lang="es-ES_tradnl" sz="2000" b="1" dirty="0"/>
+          </a:p>
+          <a:p>
+            <a:pPr marL="342900" lvl="0" indent="-342900" algn="just">
+              <a:spcAft>
+                <a:spcPts val="600"/>
+              </a:spcAft>
               <a:buFont typeface="Arial" panose="020B0604020202020204" pitchFamily="34" charset="0"/>
               <a:buChar char="•"/>
             </a:pPr>
             <a:r>
-              <a:rPr lang="es-ES" sz="2000" dirty="0"/>
-              <a:t>Tras cada una de las unidades temáticas se realizará una </a:t>
-            </a:r>
-            <a:r>
-              <a:rPr lang="es-ES" sz="2000" b="1" dirty="0"/>
-              <a:t>prueba tipo test</a:t>
-            </a:r>
-            <a:r>
-              <a:rPr lang="es-ES" sz="2000" dirty="0"/>
-              <a:t>. La prueba contendrá preguntas de respuesta múltiple, numérica, verdadero/falso, etc.</a:t>
-            </a:r>
-          </a:p>
-          <a:p>
-            <a:pPr marL="285750" indent="-285750">
+              <a:rPr lang="es-ES_tradnl" sz="2000" b="1" dirty="0"/>
+              <a:t>El programa estadístico que usaremos durante el curso se llama R</a:t>
+            </a:r>
+          </a:p>
+          <a:p>
+            <a:pPr marL="800100" lvl="1" indent="-342900" algn="just">
+              <a:spcAft>
+                <a:spcPts val="600"/>
+              </a:spcAft>
+              <a:buFont typeface="Courier New" panose="02070309020205020404" pitchFamily="49" charset="0"/>
+              <a:buChar char="o"/>
+            </a:pPr>
+            <a:r>
+              <a:rPr lang="es-ES_tradnl" dirty="0"/>
+              <a:t>La página principal es </a:t>
+            </a:r>
+            <a:r>
+              <a:rPr lang="es-ES_tradnl" dirty="0">
+                <a:hlinkClick r:id="rId2"/>
+              </a:rPr>
+              <a:t>https://www.r-project.org</a:t>
+            </a:r>
+            <a:endParaRPr lang="es-ES_tradnl" dirty="0"/>
+          </a:p>
+          <a:p>
+            <a:pPr marL="800100" lvl="1" indent="-342900" algn="just">
+              <a:spcAft>
+                <a:spcPts val="600"/>
+              </a:spcAft>
+              <a:buFont typeface="Courier New" panose="02070309020205020404" pitchFamily="49" charset="0"/>
+              <a:buChar char="o"/>
+            </a:pPr>
+            <a:r>
+              <a:rPr lang="es-ES_tradnl" dirty="0"/>
+              <a:t>Lo puedes descargar desde </a:t>
+            </a:r>
+            <a:r>
+              <a:rPr lang="es-ES_tradnl" dirty="0">
+                <a:hlinkClick r:id="rId3"/>
+              </a:rPr>
+              <a:t>https://cloud.r-project.org</a:t>
+            </a:r>
+            <a:endParaRPr lang="es-ES_tradnl" sz="2000" dirty="0"/>
+          </a:p>
+          <a:p>
+            <a:pPr marL="1257300" lvl="2" indent="-342900" algn="just">
+              <a:spcAft>
+                <a:spcPts val="600"/>
+              </a:spcAft>
+              <a:buFont typeface="Wingdings" pitchFamily="2" charset="2"/>
+              <a:buChar char="§"/>
+            </a:pPr>
+            <a:r>
+              <a:rPr lang="es-ES_tradnl" sz="1600" dirty="0"/>
+              <a:t>Lee con detalle las instrucciones y elige la versión más reciente</a:t>
+            </a:r>
+          </a:p>
+          <a:p>
+            <a:pPr marL="800100" lvl="1" indent="-342900" algn="just">
+              <a:spcAft>
+                <a:spcPts val="600"/>
+              </a:spcAft>
+              <a:buFont typeface="Courier New" panose="02070309020205020404" pitchFamily="49" charset="0"/>
+              <a:buChar char="o"/>
+            </a:pPr>
+            <a:r>
+              <a:rPr lang="es-ES_tradnl" dirty="0"/>
+              <a:t>Tienes manuales online en </a:t>
+            </a:r>
+            <a:r>
+              <a:rPr lang="es-ES_tradnl" dirty="0">
+                <a:hlinkClick r:id="rId4"/>
+              </a:rPr>
+              <a:t>https://cran.r-project.org/manuals.html</a:t>
+            </a:r>
+            <a:endParaRPr lang="es-ES_tradnl" dirty="0"/>
+          </a:p>
+          <a:p>
+            <a:pPr marL="800100" lvl="1" indent="-342900" algn="just">
+              <a:spcAft>
+                <a:spcPts val="600"/>
+              </a:spcAft>
+              <a:buFont typeface="Courier New" panose="02070309020205020404" pitchFamily="49" charset="0"/>
+              <a:buChar char="o"/>
+            </a:pPr>
+            <a:endParaRPr lang="es-ES_tradnl" sz="2000" dirty="0"/>
+          </a:p>
+          <a:p>
+            <a:pPr lvl="0" algn="just">
+              <a:spcAft>
+                <a:spcPts val="600"/>
+              </a:spcAft>
+            </a:pPr>
+            <a:r>
+              <a:rPr lang="es-ES_tradnl" sz="2800" b="1" dirty="0" err="1"/>
+              <a:t>RStudio</a:t>
+            </a:r>
+            <a:endParaRPr lang="es-ES_tradnl" sz="2000" b="1" dirty="0"/>
+          </a:p>
+          <a:p>
+            <a:pPr marL="342900" lvl="0" indent="-342900" algn="just">
+              <a:spcAft>
+                <a:spcPts val="600"/>
+              </a:spcAft>
               <a:buFont typeface="Arial" panose="020B0604020202020204" pitchFamily="34" charset="0"/>
               <a:buChar char="•"/>
             </a:pPr>
             <a:r>
-              <a:rPr lang="es-ES" sz="2000" dirty="0"/>
-              <a:t>La evaluación continua </a:t>
-            </a:r>
-            <a:r>
-              <a:rPr lang="es-ES" sz="2000" b="1" dirty="0"/>
-              <a:t>es recuperable de cara a la </a:t>
-            </a:r>
-            <a:r>
-              <a:rPr lang="es-ES" sz="2000" b="1"/>
-              <a:t>segunda convocatoria</a:t>
-            </a:r>
-            <a:r>
-              <a:rPr lang="es-ES" sz="2000" b="1" dirty="0"/>
-              <a:t>.</a:t>
-            </a:r>
-            <a:endParaRPr lang="es-ES" sz="2000" dirty="0"/>
-          </a:p>
-          <a:p>
-            <a:endParaRPr lang="es-ES" sz="2000" dirty="0"/>
-          </a:p>
-          <a:p>
-            <a:r>
-              <a:rPr lang="es-ES" sz="2000" dirty="0"/>
-              <a:t>En la fecha convenida se realizará un </a:t>
-            </a:r>
-            <a:r>
-              <a:rPr lang="es-ES" sz="2000" b="1" dirty="0"/>
-              <a:t>examen escrito que supondrá el restante 40%</a:t>
-            </a:r>
-            <a:r>
-              <a:rPr lang="es-ES" sz="2000" dirty="0"/>
-              <a:t> de la nota de la asignatura.</a:t>
-            </a:r>
-          </a:p>
-          <a:p>
-            <a:pPr marL="342900" indent="-342900">
-              <a:buFont typeface="Arial" panose="020B0604020202020204" pitchFamily="34" charset="0"/>
-              <a:buChar char="•"/>
+              <a:rPr lang="es-ES_tradnl" sz="2000" b="1" dirty="0"/>
+              <a:t>Permite usar R de forma más cómoda y amigable. Debes instalarlo después de instalar R</a:t>
+            </a:r>
+          </a:p>
+          <a:p>
+            <a:pPr marL="800100" lvl="1" indent="-342900" algn="just">
+              <a:spcAft>
+                <a:spcPts val="600"/>
+              </a:spcAft>
+              <a:buFont typeface="Courier New" panose="02070309020205020404" pitchFamily="49" charset="0"/>
+              <a:buChar char="o"/>
             </a:pPr>
             <a:r>
-              <a:rPr lang="es-ES" sz="2000" dirty="0"/>
-              <a:t>El examen tendrá tanto apartados de teoría como preguntas prácticas.</a:t>
-            </a:r>
-          </a:p>
-          <a:p>
-            <a:pPr marL="342900" indent="-342900">
-              <a:buFont typeface="Arial" panose="020B0604020202020204" pitchFamily="34" charset="0"/>
-              <a:buChar char="•"/>
+              <a:rPr lang="es-ES_tradnl" dirty="0"/>
+              <a:t>La página principal es </a:t>
+            </a:r>
+            <a:r>
+              <a:rPr lang="es-ES_tradnl" dirty="0">
+                <a:hlinkClick r:id="rId5"/>
+              </a:rPr>
+              <a:t>https://rstudio.com</a:t>
+            </a:r>
+            <a:endParaRPr lang="es-ES_tradnl" dirty="0"/>
+          </a:p>
+          <a:p>
+            <a:pPr marL="800100" lvl="1" indent="-342900" algn="just">
+              <a:spcAft>
+                <a:spcPts val="600"/>
+              </a:spcAft>
+              <a:buFont typeface="Courier New" panose="02070309020205020404" pitchFamily="49" charset="0"/>
+              <a:buChar char="o"/>
             </a:pPr>
             <a:r>
-              <a:rPr lang="es-ES" sz="2000" dirty="0"/>
-              <a:t>Será condición imprescindible para la superación de la asignatura aprobar el examen escrito.</a:t>
-            </a:r>
-          </a:p>
-        </p:txBody>
-      </p:sp>
-      <p:sp>
-        <p:nvSpPr>
-          <p:cNvPr id="7" name="6 Marcador de número de diapositiva"/>
-          <p:cNvSpPr>
-            <a:spLocks noGrp="1"/>
-          </p:cNvSpPr>
-          <p:nvPr>
-            <p:ph type="sldNum" sz="quarter" idx="12"/>
-          </p:nvPr>
-        </p:nvSpPr>
-        <p:spPr/>
-        <p:txBody>
-          <a:bodyPr/>
-          <a:lstStyle/>
-          <a:p>
-            <a:fld id="{6561EE18-1C90-4047-9A9F-BA983369B55D}" type="slidenum">
-              <a:rPr lang="es-ES" smtClean="0"/>
-              <a:t>9</a:t>
-            </a:fld>
-            <a:endParaRPr lang="es-ES"/>
+              <a:rPr lang="es-ES_tradnl" dirty="0"/>
+              <a:t>Descargar desde </a:t>
+            </a:r>
+            <a:r>
+              <a:rPr lang="es-ES_tradnl" dirty="0">
+                <a:hlinkClick r:id="rId6"/>
+              </a:rPr>
+              <a:t>https://rstudio.com/products/rstudio/download/</a:t>
+            </a:r>
+            <a:endParaRPr lang="es-ES_tradnl" sz="2000" dirty="0"/>
+          </a:p>
+          <a:p>
+            <a:pPr marL="1257300" lvl="2" indent="-342900" algn="just">
+              <a:spcAft>
+                <a:spcPts val="600"/>
+              </a:spcAft>
+              <a:buFont typeface="Wingdings" pitchFamily="2" charset="2"/>
+              <a:buChar char="§"/>
+            </a:pPr>
+            <a:r>
+              <a:rPr lang="es-ES_tradnl" sz="1600" dirty="0"/>
+              <a:t>Versión </a:t>
+            </a:r>
+            <a:r>
+              <a:rPr lang="es-ES_tradnl" sz="1600" dirty="0" err="1"/>
+              <a:t>RStudio</a:t>
+            </a:r>
+            <a:r>
+              <a:rPr lang="es-ES_tradnl" sz="1600" dirty="0"/>
+              <a:t> Desktop “Free”</a:t>
+            </a:r>
           </a:p>
         </p:txBody>
       </p:sp>
     </p:spTree>
     <p:extLst>
       <p:ext uri="{BB962C8B-B14F-4D97-AF65-F5344CB8AC3E}">
-        <p14:creationId xmlns:p14="http://schemas.microsoft.com/office/powerpoint/2010/main" val="186384705"/>
+        <p14:creationId xmlns:p14="http://schemas.microsoft.com/office/powerpoint/2010/main" val="3178911644"/>
       </p:ext>
     </p:extLst>
   </p:cSld>
